--- a/Default Data Group Project - final version.pptx
+++ b/Default Data Group Project - final version.pptx
@@ -2612,7 +2612,7 @@
           <a:noFill/>
           <a:extLst>
             <a:ext uri="{909E8E84-426E-40dd-AFC4-6F175D3DCCD1}">
-              <a14:hiddenFill xmlns:a14="http://schemas.microsoft.com/office/drawing/2010/main" xmlns="">
+              <a14:hiddenFill xmlns="" xmlns:a14="http://schemas.microsoft.com/office/drawing/2010/main">
                 <a:solidFill>
                   <a:srgbClr val="FFFFFF"/>
                 </a:solidFill>
@@ -2671,7 +2671,7 @@
             </a:ln>
             <a:extLst>
               <a:ext uri="{91240B29-F687-4f45-9708-019B960494DF}">
-                <a14:hiddenLine xmlns:a14="http://schemas.microsoft.com/office/drawing/2010/main" xmlns="" w="9525">
+                <a14:hiddenLine xmlns="" xmlns:a14="http://schemas.microsoft.com/office/drawing/2010/main" w="9525">
                   <a:solidFill>
                     <a:srgbClr val="000000"/>
                   </a:solidFill>
@@ -2761,7 +2761,7 @@
             </a:ln>
             <a:extLst>
               <a:ext uri="{91240B29-F687-4f45-9708-019B960494DF}">
-                <a14:hiddenLine xmlns:a14="http://schemas.microsoft.com/office/drawing/2010/main" xmlns="" w="9525">
+                <a14:hiddenLine xmlns="" xmlns:a14="http://schemas.microsoft.com/office/drawing/2010/main" w="9525">
                   <a:solidFill>
                     <a:srgbClr val="000000"/>
                   </a:solidFill>
@@ -2851,7 +2851,7 @@
             </a:ln>
             <a:extLst>
               <a:ext uri="{91240B29-F687-4f45-9708-019B960494DF}">
-                <a14:hiddenLine xmlns:a14="http://schemas.microsoft.com/office/drawing/2010/main" xmlns="" w="9525">
+                <a14:hiddenLine xmlns="" xmlns:a14="http://schemas.microsoft.com/office/drawing/2010/main" w="9525">
                   <a:solidFill>
                     <a:srgbClr val="000000"/>
                   </a:solidFill>
@@ -2885,7 +2885,7 @@
             </a:ln>
             <a:extLst>
               <a:ext uri="{91240B29-F687-4f45-9708-019B960494DF}">
-                <a14:hiddenLine xmlns:a14="http://schemas.microsoft.com/office/drawing/2010/main" xmlns="" w="9525">
+                <a14:hiddenLine xmlns="" xmlns:a14="http://schemas.microsoft.com/office/drawing/2010/main" w="9525">
                   <a:solidFill>
                     <a:srgbClr val="000000"/>
                   </a:solidFill>
@@ -2975,7 +2975,7 @@
             </a:ln>
             <a:extLst>
               <a:ext uri="{91240B29-F687-4f45-9708-019B960494DF}">
-                <a14:hiddenLine xmlns:a14="http://schemas.microsoft.com/office/drawing/2010/main" xmlns="" w="9525">
+                <a14:hiddenLine xmlns="" xmlns:a14="http://schemas.microsoft.com/office/drawing/2010/main" w="9525">
                   <a:solidFill>
                     <a:srgbClr val="000000"/>
                   </a:solidFill>
@@ -3037,7 +3037,7 @@
             </a:ln>
             <a:extLst>
               <a:ext uri="{91240B29-F687-4f45-9708-019B960494DF}">
-                <a14:hiddenLine xmlns:a14="http://schemas.microsoft.com/office/drawing/2010/main" xmlns="" w="9525">
+                <a14:hiddenLine xmlns="" xmlns:a14="http://schemas.microsoft.com/office/drawing/2010/main" w="9525">
                   <a:solidFill>
                     <a:srgbClr val="000000"/>
                   </a:solidFill>
@@ -3099,7 +3099,7 @@
             </a:ln>
             <a:extLst>
               <a:ext uri="{91240B29-F687-4f45-9708-019B960494DF}">
-                <a14:hiddenLine xmlns:a14="http://schemas.microsoft.com/office/drawing/2010/main" xmlns="" w="9525">
+                <a14:hiddenLine xmlns="" xmlns:a14="http://schemas.microsoft.com/office/drawing/2010/main" w="9525">
                   <a:solidFill>
                     <a:srgbClr val="000000"/>
                   </a:solidFill>
@@ -3189,7 +3189,7 @@
             </a:ln>
             <a:extLst>
               <a:ext uri="{91240B29-F687-4f45-9708-019B960494DF}">
-                <a14:hiddenLine xmlns:a14="http://schemas.microsoft.com/office/drawing/2010/main" xmlns="" w="9525">
+                <a14:hiddenLine xmlns="" xmlns:a14="http://schemas.microsoft.com/office/drawing/2010/main" w="9525">
                   <a:solidFill>
                     <a:srgbClr val="000000"/>
                   </a:solidFill>
@@ -3251,7 +3251,7 @@
             </a:ln>
             <a:extLst>
               <a:ext uri="{91240B29-F687-4f45-9708-019B960494DF}">
-                <a14:hiddenLine xmlns:a14="http://schemas.microsoft.com/office/drawing/2010/main" xmlns="" w="9525">
+                <a14:hiddenLine xmlns="" xmlns:a14="http://schemas.microsoft.com/office/drawing/2010/main" w="9525">
                   <a:solidFill>
                     <a:srgbClr val="000000"/>
                   </a:solidFill>
@@ -3313,7 +3313,7 @@
             </a:ln>
             <a:extLst>
               <a:ext uri="{91240B29-F687-4f45-9708-019B960494DF}">
-                <a14:hiddenLine xmlns:a14="http://schemas.microsoft.com/office/drawing/2010/main" xmlns="" w="9525">
+                <a14:hiddenLine xmlns="" xmlns:a14="http://schemas.microsoft.com/office/drawing/2010/main" w="9525">
                   <a:solidFill>
                     <a:srgbClr val="000000"/>
                   </a:solidFill>
@@ -3403,7 +3403,7 @@
             </a:ln>
             <a:extLst>
               <a:ext uri="{91240B29-F687-4f45-9708-019B960494DF}">
-                <a14:hiddenLine xmlns:a14="http://schemas.microsoft.com/office/drawing/2010/main" xmlns="" w="9525">
+                <a14:hiddenLine xmlns="" xmlns:a14="http://schemas.microsoft.com/office/drawing/2010/main" w="9525">
                   <a:solidFill>
                     <a:srgbClr val="000000"/>
                   </a:solidFill>
@@ -3493,7 +3493,7 @@
             </a:ln>
             <a:extLst>
               <a:ext uri="{91240B29-F687-4f45-9708-019B960494DF}">
-                <a14:hiddenLine xmlns:a14="http://schemas.microsoft.com/office/drawing/2010/main" xmlns="" w="9525">
+                <a14:hiddenLine xmlns="" xmlns:a14="http://schemas.microsoft.com/office/drawing/2010/main" w="9525">
                   <a:solidFill>
                     <a:srgbClr val="000000"/>
                   </a:solidFill>
@@ -3555,7 +3555,7 @@
             </a:ln>
             <a:extLst>
               <a:ext uri="{91240B29-F687-4f45-9708-019B960494DF}">
-                <a14:hiddenLine xmlns:a14="http://schemas.microsoft.com/office/drawing/2010/main" xmlns="" w="9525">
+                <a14:hiddenLine xmlns="" xmlns:a14="http://schemas.microsoft.com/office/drawing/2010/main" w="9525">
                   <a:solidFill>
                     <a:srgbClr val="000000"/>
                   </a:solidFill>
@@ -3665,7 +3665,7 @@
             </a:ln>
             <a:extLst>
               <a:ext uri="{91240B29-F687-4f45-9708-019B960494DF}">
-                <a14:hiddenLine xmlns:a14="http://schemas.microsoft.com/office/drawing/2010/main" xmlns="" w="9525">
+                <a14:hiddenLine xmlns="" xmlns:a14="http://schemas.microsoft.com/office/drawing/2010/main" w="9525">
                   <a:solidFill>
                     <a:srgbClr val="000000"/>
                   </a:solidFill>
@@ -3727,7 +3727,7 @@
             </a:ln>
             <a:extLst>
               <a:ext uri="{91240B29-F687-4f45-9708-019B960494DF}">
-                <a14:hiddenLine xmlns:a14="http://schemas.microsoft.com/office/drawing/2010/main" xmlns="" w="9525">
+                <a14:hiddenLine xmlns="" xmlns:a14="http://schemas.microsoft.com/office/drawing/2010/main" w="9525">
                   <a:solidFill>
                     <a:srgbClr val="000000"/>
                   </a:solidFill>
@@ -3817,7 +3817,7 @@
             </a:ln>
             <a:extLst>
               <a:ext uri="{91240B29-F687-4f45-9708-019B960494DF}">
-                <a14:hiddenLine xmlns:a14="http://schemas.microsoft.com/office/drawing/2010/main" xmlns="" w="9525">
+                <a14:hiddenLine xmlns="" xmlns:a14="http://schemas.microsoft.com/office/drawing/2010/main" w="9525">
                   <a:solidFill>
                     <a:srgbClr val="000000"/>
                   </a:solidFill>
@@ -3907,7 +3907,7 @@
             </a:ln>
             <a:extLst>
               <a:ext uri="{91240B29-F687-4f45-9708-019B960494DF}">
-                <a14:hiddenLine xmlns:a14="http://schemas.microsoft.com/office/drawing/2010/main" xmlns="" w="9525">
+                <a14:hiddenLine xmlns="" xmlns:a14="http://schemas.microsoft.com/office/drawing/2010/main" w="9525">
                   <a:solidFill>
                     <a:srgbClr val="000000"/>
                   </a:solidFill>
@@ -3969,7 +3969,7 @@
             </a:ln>
             <a:extLst>
               <a:ext uri="{91240B29-F687-4f45-9708-019B960494DF}">
-                <a14:hiddenLine xmlns:a14="http://schemas.microsoft.com/office/drawing/2010/main" xmlns="" w="9525">
+                <a14:hiddenLine xmlns="" xmlns:a14="http://schemas.microsoft.com/office/drawing/2010/main" w="9525">
                   <a:solidFill>
                     <a:srgbClr val="000000"/>
                   </a:solidFill>
@@ -4059,7 +4059,7 @@
             </a:ln>
             <a:extLst>
               <a:ext uri="{91240B29-F687-4f45-9708-019B960494DF}">
-                <a14:hiddenLine xmlns:a14="http://schemas.microsoft.com/office/drawing/2010/main" xmlns="" w="9525">
+                <a14:hiddenLine xmlns="" xmlns:a14="http://schemas.microsoft.com/office/drawing/2010/main" w="9525">
                   <a:solidFill>
                     <a:srgbClr val="000000"/>
                   </a:solidFill>
@@ -4149,7 +4149,7 @@
             </a:ln>
             <a:extLst>
               <a:ext uri="{91240B29-F687-4f45-9708-019B960494DF}">
-                <a14:hiddenLine xmlns:a14="http://schemas.microsoft.com/office/drawing/2010/main" xmlns="" w="9525">
+                <a14:hiddenLine xmlns="" xmlns:a14="http://schemas.microsoft.com/office/drawing/2010/main" w="9525">
                   <a:solidFill>
                     <a:srgbClr val="000000"/>
                   </a:solidFill>
@@ -4205,7 +4205,7 @@
             </a:ln>
             <a:extLst>
               <a:ext uri="{91240B29-F687-4f45-9708-019B960494DF}">
-                <a14:hiddenLine xmlns:a14="http://schemas.microsoft.com/office/drawing/2010/main" xmlns="" w="9525">
+                <a14:hiddenLine xmlns="" xmlns:a14="http://schemas.microsoft.com/office/drawing/2010/main" w="9525">
                   <a:solidFill>
                     <a:srgbClr val="000000"/>
                   </a:solidFill>
@@ -4295,7 +4295,7 @@
             </a:ln>
             <a:extLst>
               <a:ext uri="{91240B29-F687-4f45-9708-019B960494DF}">
-                <a14:hiddenLine xmlns:a14="http://schemas.microsoft.com/office/drawing/2010/main" xmlns="" w="9525">
+                <a14:hiddenLine xmlns="" xmlns:a14="http://schemas.microsoft.com/office/drawing/2010/main" w="9525">
                   <a:solidFill>
                     <a:srgbClr val="000000"/>
                   </a:solidFill>
@@ -4351,7 +4351,7 @@
             </a:ln>
             <a:extLst>
               <a:ext uri="{91240B29-F687-4f45-9708-019B960494DF}">
-                <a14:hiddenLine xmlns:a14="http://schemas.microsoft.com/office/drawing/2010/main" xmlns="" w="9525">
+                <a14:hiddenLine xmlns="" xmlns:a14="http://schemas.microsoft.com/office/drawing/2010/main" w="9525">
                   <a:solidFill>
                     <a:srgbClr val="000000"/>
                   </a:solidFill>
@@ -4441,7 +4441,7 @@
             </a:ln>
             <a:extLst>
               <a:ext uri="{91240B29-F687-4f45-9708-019B960494DF}">
-                <a14:hiddenLine xmlns:a14="http://schemas.microsoft.com/office/drawing/2010/main" xmlns="" w="9525">
+                <a14:hiddenLine xmlns="" xmlns:a14="http://schemas.microsoft.com/office/drawing/2010/main" w="9525">
                   <a:solidFill>
                     <a:srgbClr val="000000"/>
                   </a:solidFill>
@@ -4509,7 +4509,7 @@
             </a:ln>
             <a:extLst>
               <a:ext uri="{91240B29-F687-4f45-9708-019B960494DF}">
-                <a14:hiddenLine xmlns:a14="http://schemas.microsoft.com/office/drawing/2010/main" xmlns="" w="9525">
+                <a14:hiddenLine xmlns="" xmlns:a14="http://schemas.microsoft.com/office/drawing/2010/main" w="9525">
                   <a:solidFill>
                     <a:srgbClr val="000000"/>
                   </a:solidFill>
@@ -4599,7 +4599,7 @@
             </a:ln>
             <a:extLst>
               <a:ext uri="{91240B29-F687-4f45-9708-019B960494DF}">
-                <a14:hiddenLine xmlns:a14="http://schemas.microsoft.com/office/drawing/2010/main" xmlns="" w="9525">
+                <a14:hiddenLine xmlns="" xmlns:a14="http://schemas.microsoft.com/office/drawing/2010/main" w="9525">
                   <a:solidFill>
                     <a:srgbClr val="000000"/>
                   </a:solidFill>
@@ -4667,7 +4667,7 @@
             </a:ln>
             <a:extLst>
               <a:ext uri="{91240B29-F687-4f45-9708-019B960494DF}">
-                <a14:hiddenLine xmlns:a14="http://schemas.microsoft.com/office/drawing/2010/main" xmlns="" w="9525">
+                <a14:hiddenLine xmlns="" xmlns:a14="http://schemas.microsoft.com/office/drawing/2010/main" w="9525">
                   <a:solidFill>
                     <a:srgbClr val="000000"/>
                   </a:solidFill>
@@ -4757,7 +4757,7 @@
             </a:ln>
             <a:extLst>
               <a:ext uri="{91240B29-F687-4f45-9708-019B960494DF}">
-                <a14:hiddenLine xmlns:a14="http://schemas.microsoft.com/office/drawing/2010/main" xmlns="" w="9525">
+                <a14:hiddenLine xmlns="" xmlns:a14="http://schemas.microsoft.com/office/drawing/2010/main" w="9525">
                   <a:solidFill>
                     <a:srgbClr val="000000"/>
                   </a:solidFill>
@@ -4791,7 +4791,7 @@
             </a:ln>
             <a:extLst>
               <a:ext uri="{91240B29-F687-4f45-9708-019B960494DF}">
-                <a14:hiddenLine xmlns:a14="http://schemas.microsoft.com/office/drawing/2010/main" xmlns="" w="9525">
+                <a14:hiddenLine xmlns="" xmlns:a14="http://schemas.microsoft.com/office/drawing/2010/main" w="9525">
                   <a:solidFill>
                     <a:srgbClr val="000000"/>
                   </a:solidFill>
@@ -4881,7 +4881,7 @@
             </a:ln>
             <a:extLst>
               <a:ext uri="{91240B29-F687-4f45-9708-019B960494DF}">
-                <a14:hiddenLine xmlns:a14="http://schemas.microsoft.com/office/drawing/2010/main" xmlns="" w="9525">
+                <a14:hiddenLine xmlns="" xmlns:a14="http://schemas.microsoft.com/office/drawing/2010/main" w="9525">
                   <a:solidFill>
                     <a:srgbClr val="000000"/>
                   </a:solidFill>
@@ -4943,7 +4943,7 @@
             </a:ln>
             <a:extLst>
               <a:ext uri="{91240B29-F687-4f45-9708-019B960494DF}">
-                <a14:hiddenLine xmlns:a14="http://schemas.microsoft.com/office/drawing/2010/main" xmlns="" w="9525">
+                <a14:hiddenLine xmlns="" xmlns:a14="http://schemas.microsoft.com/office/drawing/2010/main" w="9525">
                   <a:solidFill>
                     <a:srgbClr val="000000"/>
                   </a:solidFill>
@@ -5005,7 +5005,7 @@
             </a:ln>
             <a:extLst>
               <a:ext uri="{91240B29-F687-4f45-9708-019B960494DF}">
-                <a14:hiddenLine xmlns:a14="http://schemas.microsoft.com/office/drawing/2010/main" xmlns="" w="9525">
+                <a14:hiddenLine xmlns="" xmlns:a14="http://schemas.microsoft.com/office/drawing/2010/main" w="9525">
                   <a:solidFill>
                     <a:srgbClr val="000000"/>
                   </a:solidFill>
@@ -5095,7 +5095,7 @@
             </a:ln>
             <a:extLst>
               <a:ext uri="{91240B29-F687-4f45-9708-019B960494DF}">
-                <a14:hiddenLine xmlns:a14="http://schemas.microsoft.com/office/drawing/2010/main" xmlns="" w="9525">
+                <a14:hiddenLine xmlns="" xmlns:a14="http://schemas.microsoft.com/office/drawing/2010/main" w="9525">
                   <a:solidFill>
                     <a:srgbClr val="000000"/>
                   </a:solidFill>
@@ -5163,7 +5163,7 @@
             </a:ln>
             <a:extLst>
               <a:ext uri="{91240B29-F687-4f45-9708-019B960494DF}">
-                <a14:hiddenLine xmlns:a14="http://schemas.microsoft.com/office/drawing/2010/main" xmlns="" w="9525">
+                <a14:hiddenLine xmlns="" xmlns:a14="http://schemas.microsoft.com/office/drawing/2010/main" w="9525">
                   <a:solidFill>
                     <a:srgbClr val="000000"/>
                   </a:solidFill>
@@ -5225,7 +5225,7 @@
             </a:ln>
             <a:extLst>
               <a:ext uri="{91240B29-F687-4f45-9708-019B960494DF}">
-                <a14:hiddenLine xmlns:a14="http://schemas.microsoft.com/office/drawing/2010/main" xmlns="" w="9525">
+                <a14:hiddenLine xmlns="" xmlns:a14="http://schemas.microsoft.com/office/drawing/2010/main" w="9525">
                   <a:solidFill>
                     <a:srgbClr val="000000"/>
                   </a:solidFill>
@@ -5315,7 +5315,7 @@
             </a:ln>
             <a:extLst>
               <a:ext uri="{91240B29-F687-4f45-9708-019B960494DF}">
-                <a14:hiddenLine xmlns:a14="http://schemas.microsoft.com/office/drawing/2010/main" xmlns="" w="9525">
+                <a14:hiddenLine xmlns="" xmlns:a14="http://schemas.microsoft.com/office/drawing/2010/main" w="9525">
                   <a:solidFill>
                     <a:srgbClr val="000000"/>
                   </a:solidFill>
@@ -5377,7 +5377,7 @@
             </a:ln>
             <a:extLst>
               <a:ext uri="{91240B29-F687-4f45-9708-019B960494DF}">
-                <a14:hiddenLine xmlns:a14="http://schemas.microsoft.com/office/drawing/2010/main" xmlns="" w="9525">
+                <a14:hiddenLine xmlns="" xmlns:a14="http://schemas.microsoft.com/office/drawing/2010/main" w="9525">
                   <a:solidFill>
                     <a:srgbClr val="000000"/>
                   </a:solidFill>
@@ -5467,7 +5467,7 @@
             </a:ln>
             <a:extLst>
               <a:ext uri="{91240B29-F687-4f45-9708-019B960494DF}">
-                <a14:hiddenLine xmlns:a14="http://schemas.microsoft.com/office/drawing/2010/main" xmlns="" w="9525">
+                <a14:hiddenLine xmlns="" xmlns:a14="http://schemas.microsoft.com/office/drawing/2010/main" w="9525">
                   <a:solidFill>
                     <a:srgbClr val="000000"/>
                   </a:solidFill>
@@ -5529,7 +5529,7 @@
             </a:ln>
             <a:extLst>
               <a:ext uri="{91240B29-F687-4f45-9708-019B960494DF}">
-                <a14:hiddenLine xmlns:a14="http://schemas.microsoft.com/office/drawing/2010/main" xmlns="" w="9525">
+                <a14:hiddenLine xmlns="" xmlns:a14="http://schemas.microsoft.com/office/drawing/2010/main" w="9525">
                   <a:solidFill>
                     <a:srgbClr val="000000"/>
                   </a:solidFill>
@@ -5619,7 +5619,7 @@
             </a:ln>
             <a:extLst>
               <a:ext uri="{91240B29-F687-4f45-9708-019B960494DF}">
-                <a14:hiddenLine xmlns:a14="http://schemas.microsoft.com/office/drawing/2010/main" xmlns="" w="9525">
+                <a14:hiddenLine xmlns="" xmlns:a14="http://schemas.microsoft.com/office/drawing/2010/main" w="9525">
                   <a:solidFill>
                     <a:srgbClr val="000000"/>
                   </a:solidFill>
@@ -5653,7 +5653,7 @@
             </a:ln>
             <a:extLst>
               <a:ext uri="{91240B29-F687-4f45-9708-019B960494DF}">
-                <a14:hiddenLine xmlns:a14="http://schemas.microsoft.com/office/drawing/2010/main" xmlns="" w="9525">
+                <a14:hiddenLine xmlns="" xmlns:a14="http://schemas.microsoft.com/office/drawing/2010/main" w="9525">
                   <a:solidFill>
                     <a:srgbClr val="000000"/>
                   </a:solidFill>
@@ -5718,7 +5718,7 @@
             </a:ln>
             <a:extLst>
               <a:ext uri="{91240B29-F687-4f45-9708-019B960494DF}">
-                <a14:hiddenLine xmlns:a14="http://schemas.microsoft.com/office/drawing/2010/main" xmlns="" w="9525">
+                <a14:hiddenLine xmlns="" xmlns:a14="http://schemas.microsoft.com/office/drawing/2010/main" w="9525">
                   <a:solidFill>
                     <a:srgbClr val="000000"/>
                   </a:solidFill>
@@ -5808,7 +5808,7 @@
             </a:ln>
             <a:extLst>
               <a:ext uri="{91240B29-F687-4f45-9708-019B960494DF}">
-                <a14:hiddenLine xmlns:a14="http://schemas.microsoft.com/office/drawing/2010/main" xmlns="" w="9525">
+                <a14:hiddenLine xmlns="" xmlns:a14="http://schemas.microsoft.com/office/drawing/2010/main" w="9525">
                   <a:solidFill>
                     <a:srgbClr val="000000"/>
                   </a:solidFill>
@@ -5870,7 +5870,7 @@
             </a:ln>
             <a:extLst>
               <a:ext uri="{91240B29-F687-4f45-9708-019B960494DF}">
-                <a14:hiddenLine xmlns:a14="http://schemas.microsoft.com/office/drawing/2010/main" xmlns="" w="9525">
+                <a14:hiddenLine xmlns="" xmlns:a14="http://schemas.microsoft.com/office/drawing/2010/main" w="9525">
                   <a:solidFill>
                     <a:srgbClr val="000000"/>
                   </a:solidFill>
@@ -5960,7 +5960,7 @@
             </a:ln>
             <a:extLst>
               <a:ext uri="{91240B29-F687-4f45-9708-019B960494DF}">
-                <a14:hiddenLine xmlns:a14="http://schemas.microsoft.com/office/drawing/2010/main" xmlns="" w="9525">
+                <a14:hiddenLine xmlns="" xmlns:a14="http://schemas.microsoft.com/office/drawing/2010/main" w="9525">
                   <a:solidFill>
                     <a:srgbClr val="000000"/>
                   </a:solidFill>
@@ -6050,7 +6050,7 @@
             </a:ln>
             <a:extLst>
               <a:ext uri="{91240B29-F687-4f45-9708-019B960494DF}">
-                <a14:hiddenLine xmlns:a14="http://schemas.microsoft.com/office/drawing/2010/main" xmlns="" w="9525">
+                <a14:hiddenLine xmlns="" xmlns:a14="http://schemas.microsoft.com/office/drawing/2010/main" w="9525">
                   <a:solidFill>
                     <a:srgbClr val="000000"/>
                   </a:solidFill>
@@ -6115,7 +6115,7 @@
             </a:ln>
             <a:extLst>
               <a:ext uri="{91240B29-F687-4f45-9708-019B960494DF}">
-                <a14:hiddenLine xmlns:a14="http://schemas.microsoft.com/office/drawing/2010/main" xmlns="" w="9525">
+                <a14:hiddenLine xmlns="" xmlns:a14="http://schemas.microsoft.com/office/drawing/2010/main" w="9525">
                   <a:solidFill>
                     <a:srgbClr val="000000"/>
                   </a:solidFill>
@@ -6177,7 +6177,7 @@
             </a:ln>
             <a:extLst>
               <a:ext uri="{91240B29-F687-4f45-9708-019B960494DF}">
-                <a14:hiddenLine xmlns:a14="http://schemas.microsoft.com/office/drawing/2010/main" xmlns="" w="9525">
+                <a14:hiddenLine xmlns="" xmlns:a14="http://schemas.microsoft.com/office/drawing/2010/main" w="9525">
                   <a:solidFill>
                     <a:srgbClr val="000000"/>
                   </a:solidFill>
@@ -6267,7 +6267,7 @@
             </a:ln>
             <a:extLst>
               <a:ext uri="{91240B29-F687-4f45-9708-019B960494DF}">
-                <a14:hiddenLine xmlns:a14="http://schemas.microsoft.com/office/drawing/2010/main" xmlns="" w="9525">
+                <a14:hiddenLine xmlns="" xmlns:a14="http://schemas.microsoft.com/office/drawing/2010/main" w="9525">
                   <a:solidFill>
                     <a:srgbClr val="000000"/>
                   </a:solidFill>
@@ -6357,7 +6357,7 @@
             </a:ln>
             <a:extLst>
               <a:ext uri="{91240B29-F687-4f45-9708-019B960494DF}">
-                <a14:hiddenLine xmlns:a14="http://schemas.microsoft.com/office/drawing/2010/main" xmlns="" w="9525">
+                <a14:hiddenLine xmlns="" xmlns:a14="http://schemas.microsoft.com/office/drawing/2010/main" w="9525">
                   <a:solidFill>
                     <a:srgbClr val="000000"/>
                   </a:solidFill>
@@ -6419,7 +6419,7 @@
             </a:ln>
             <a:extLst>
               <a:ext uri="{91240B29-F687-4f45-9708-019B960494DF}">
-                <a14:hiddenLine xmlns:a14="http://schemas.microsoft.com/office/drawing/2010/main" xmlns="" w="9525">
+                <a14:hiddenLine xmlns="" xmlns:a14="http://schemas.microsoft.com/office/drawing/2010/main" w="9525">
                   <a:solidFill>
                     <a:srgbClr val="000000"/>
                   </a:solidFill>
@@ -6539,7 +6539,7 @@
             </a:ln>
             <a:extLst>
               <a:ext uri="{91240B29-F687-4f45-9708-019B960494DF}">
-                <a14:hiddenLine xmlns:a14="http://schemas.microsoft.com/office/drawing/2010/main" xmlns="" w="9525">
+                <a14:hiddenLine xmlns="" xmlns:a14="http://schemas.microsoft.com/office/drawing/2010/main" w="9525">
                   <a:solidFill>
                     <a:srgbClr val="000000"/>
                   </a:solidFill>
@@ -6607,7 +6607,7 @@
             </a:ln>
             <a:extLst>
               <a:ext uri="{91240B29-F687-4f45-9708-019B960494DF}">
-                <a14:hiddenLine xmlns:a14="http://schemas.microsoft.com/office/drawing/2010/main" xmlns="" w="9525">
+                <a14:hiddenLine xmlns="" xmlns:a14="http://schemas.microsoft.com/office/drawing/2010/main" w="9525">
                   <a:solidFill>
                     <a:srgbClr val="000000"/>
                   </a:solidFill>
@@ -6697,7 +6697,7 @@
             </a:ln>
             <a:extLst>
               <a:ext uri="{91240B29-F687-4f45-9708-019B960494DF}">
-                <a14:hiddenLine xmlns:a14="http://schemas.microsoft.com/office/drawing/2010/main" xmlns="" w="9525">
+                <a14:hiddenLine xmlns="" xmlns:a14="http://schemas.microsoft.com/office/drawing/2010/main" w="9525">
                   <a:solidFill>
                     <a:srgbClr val="000000"/>
                   </a:solidFill>
@@ -11511,7 +11511,7 @@
           <a:noFill/>
           <a:extLst>
             <a:ext uri="{909E8E84-426E-40dd-AFC4-6F175D3DCCD1}">
-              <a14:hiddenFill xmlns:a14="http://schemas.microsoft.com/office/drawing/2010/main" xmlns="">
+              <a14:hiddenFill xmlns="" xmlns:a14="http://schemas.microsoft.com/office/drawing/2010/main">
                 <a:solidFill>
                   <a:srgbClr val="FFFFFF"/>
                 </a:solidFill>
@@ -11585,7 +11585,7 @@
               </a:ln>
               <a:extLst>
                 <a:ext uri="{91240B29-F687-4f45-9708-019B960494DF}">
-                  <a14:hiddenLine xmlns:a14="http://schemas.microsoft.com/office/drawing/2010/main" xmlns="" w="9525">
+                  <a14:hiddenLine xmlns="" xmlns:a14="http://schemas.microsoft.com/office/drawing/2010/main" w="9525">
                     <a:solidFill>
                       <a:srgbClr val="000000"/>
                     </a:solidFill>
@@ -11675,7 +11675,7 @@
               </a:ln>
               <a:extLst>
                 <a:ext uri="{91240B29-F687-4f45-9708-019B960494DF}">
-                  <a14:hiddenLine xmlns:a14="http://schemas.microsoft.com/office/drawing/2010/main" xmlns="" w="9525">
+                  <a14:hiddenLine xmlns="" xmlns:a14="http://schemas.microsoft.com/office/drawing/2010/main" w="9525">
                     <a:solidFill>
                       <a:srgbClr val="000000"/>
                     </a:solidFill>
@@ -11765,7 +11765,7 @@
               </a:ln>
               <a:extLst>
                 <a:ext uri="{91240B29-F687-4f45-9708-019B960494DF}">
-                  <a14:hiddenLine xmlns:a14="http://schemas.microsoft.com/office/drawing/2010/main" xmlns="" w="9525">
+                  <a14:hiddenLine xmlns="" xmlns:a14="http://schemas.microsoft.com/office/drawing/2010/main" w="9525">
                     <a:solidFill>
                       <a:srgbClr val="000000"/>
                     </a:solidFill>
@@ -11827,7 +11827,7 @@
               </a:ln>
               <a:extLst>
                 <a:ext uri="{91240B29-F687-4f45-9708-019B960494DF}">
-                  <a14:hiddenLine xmlns:a14="http://schemas.microsoft.com/office/drawing/2010/main" xmlns="" w="9525">
+                  <a14:hiddenLine xmlns="" xmlns:a14="http://schemas.microsoft.com/office/drawing/2010/main" w="9525">
                     <a:solidFill>
                       <a:srgbClr val="000000"/>
                     </a:solidFill>
@@ -11917,7 +11917,7 @@
               </a:ln>
               <a:extLst>
                 <a:ext uri="{91240B29-F687-4f45-9708-019B960494DF}">
-                  <a14:hiddenLine xmlns:a14="http://schemas.microsoft.com/office/drawing/2010/main" xmlns="" w="9525">
+                  <a14:hiddenLine xmlns="" xmlns:a14="http://schemas.microsoft.com/office/drawing/2010/main" w="9525">
                     <a:solidFill>
                       <a:srgbClr val="000000"/>
                     </a:solidFill>
@@ -11979,7 +11979,7 @@
               </a:ln>
               <a:extLst>
                 <a:ext uri="{91240B29-F687-4f45-9708-019B960494DF}">
-                  <a14:hiddenLine xmlns:a14="http://schemas.microsoft.com/office/drawing/2010/main" xmlns="" w="9525">
+                  <a14:hiddenLine xmlns="" xmlns:a14="http://schemas.microsoft.com/office/drawing/2010/main" w="9525">
                     <a:solidFill>
                       <a:srgbClr val="000000"/>
                     </a:solidFill>
@@ -12041,7 +12041,7 @@
               </a:ln>
               <a:extLst>
                 <a:ext uri="{91240B29-F687-4f45-9708-019B960494DF}">
-                  <a14:hiddenLine xmlns:a14="http://schemas.microsoft.com/office/drawing/2010/main" xmlns="" w="9525">
+                  <a14:hiddenLine xmlns="" xmlns:a14="http://schemas.microsoft.com/office/drawing/2010/main" w="9525">
                     <a:solidFill>
                       <a:srgbClr val="000000"/>
                     </a:solidFill>
@@ -12131,7 +12131,7 @@
               </a:ln>
               <a:extLst>
                 <a:ext uri="{91240B29-F687-4f45-9708-019B960494DF}">
-                  <a14:hiddenLine xmlns:a14="http://schemas.microsoft.com/office/drawing/2010/main" xmlns="" w="9525">
+                  <a14:hiddenLine xmlns="" xmlns:a14="http://schemas.microsoft.com/office/drawing/2010/main" w="9525">
                     <a:solidFill>
                       <a:srgbClr val="000000"/>
                     </a:solidFill>
@@ -12221,7 +12221,7 @@
               </a:ln>
               <a:extLst>
                 <a:ext uri="{91240B29-F687-4f45-9708-019B960494DF}">
-                  <a14:hiddenLine xmlns:a14="http://schemas.microsoft.com/office/drawing/2010/main" xmlns="" w="9525">
+                  <a14:hiddenLine xmlns="" xmlns:a14="http://schemas.microsoft.com/office/drawing/2010/main" w="9525">
                     <a:solidFill>
                       <a:srgbClr val="000000"/>
                     </a:solidFill>
@@ -12283,7 +12283,7 @@
               </a:ln>
               <a:extLst>
                 <a:ext uri="{91240B29-F687-4f45-9708-019B960494DF}">
-                  <a14:hiddenLine xmlns:a14="http://schemas.microsoft.com/office/drawing/2010/main" xmlns="" w="9525">
+                  <a14:hiddenLine xmlns="" xmlns:a14="http://schemas.microsoft.com/office/drawing/2010/main" w="9525">
                     <a:solidFill>
                       <a:srgbClr val="000000"/>
                     </a:solidFill>
@@ -12393,7 +12393,7 @@
               </a:ln>
               <a:extLst>
                 <a:ext uri="{91240B29-F687-4f45-9708-019B960494DF}">
-                  <a14:hiddenLine xmlns:a14="http://schemas.microsoft.com/office/drawing/2010/main" xmlns="" w="9525">
+                  <a14:hiddenLine xmlns="" xmlns:a14="http://schemas.microsoft.com/office/drawing/2010/main" w="9525">
                     <a:solidFill>
                       <a:srgbClr val="000000"/>
                     </a:solidFill>
@@ -12477,7 +12477,7 @@
               </a:ln>
               <a:extLst>
                 <a:ext uri="{91240B29-F687-4f45-9708-019B960494DF}">
-                  <a14:hiddenLine xmlns:a14="http://schemas.microsoft.com/office/drawing/2010/main" xmlns="" w="9525">
+                  <a14:hiddenLine xmlns="" xmlns:a14="http://schemas.microsoft.com/office/drawing/2010/main" w="9525">
                     <a:solidFill>
                       <a:srgbClr val="000000"/>
                     </a:solidFill>
@@ -12539,7 +12539,7 @@
               </a:ln>
               <a:extLst>
                 <a:ext uri="{91240B29-F687-4f45-9708-019B960494DF}">
-                  <a14:hiddenLine xmlns:a14="http://schemas.microsoft.com/office/drawing/2010/main" xmlns="" w="9525">
+                  <a14:hiddenLine xmlns="" xmlns:a14="http://schemas.microsoft.com/office/drawing/2010/main" w="9525">
                     <a:solidFill>
                       <a:srgbClr val="000000"/>
                     </a:solidFill>
@@ -12601,7 +12601,7 @@
               </a:ln>
               <a:extLst>
                 <a:ext uri="{91240B29-F687-4f45-9708-019B960494DF}">
-                  <a14:hiddenLine xmlns:a14="http://schemas.microsoft.com/office/drawing/2010/main" xmlns="" w="9525">
+                  <a14:hiddenLine xmlns="" xmlns:a14="http://schemas.microsoft.com/office/drawing/2010/main" w="9525">
                     <a:solidFill>
                       <a:srgbClr val="000000"/>
                     </a:solidFill>
@@ -12691,7 +12691,7 @@
               </a:ln>
               <a:extLst>
                 <a:ext uri="{91240B29-F687-4f45-9708-019B960494DF}">
-                  <a14:hiddenLine xmlns:a14="http://schemas.microsoft.com/office/drawing/2010/main" xmlns="" w="9525">
+                  <a14:hiddenLine xmlns="" xmlns:a14="http://schemas.microsoft.com/office/drawing/2010/main" w="9525">
                     <a:solidFill>
                       <a:srgbClr val="000000"/>
                     </a:solidFill>
@@ -12725,7 +12725,7 @@
               </a:ln>
               <a:extLst>
                 <a:ext uri="{91240B29-F687-4f45-9708-019B960494DF}">
-                  <a14:hiddenLine xmlns:a14="http://schemas.microsoft.com/office/drawing/2010/main" xmlns="" w="9525">
+                  <a14:hiddenLine xmlns="" xmlns:a14="http://schemas.microsoft.com/office/drawing/2010/main" w="9525">
                     <a:solidFill>
                       <a:srgbClr val="000000"/>
                     </a:solidFill>
@@ -12790,7 +12790,7 @@
               </a:ln>
               <a:extLst>
                 <a:ext uri="{91240B29-F687-4f45-9708-019B960494DF}">
-                  <a14:hiddenLine xmlns:a14="http://schemas.microsoft.com/office/drawing/2010/main" xmlns="" w="9525">
+                  <a14:hiddenLine xmlns="" xmlns:a14="http://schemas.microsoft.com/office/drawing/2010/main" w="9525">
                     <a:solidFill>
                       <a:srgbClr val="000000"/>
                     </a:solidFill>
@@ -12880,7 +12880,7 @@
               </a:ln>
               <a:extLst>
                 <a:ext uri="{91240B29-F687-4f45-9708-019B960494DF}">
-                  <a14:hiddenLine xmlns:a14="http://schemas.microsoft.com/office/drawing/2010/main" xmlns="" w="9525">
+                  <a14:hiddenLine xmlns="" xmlns:a14="http://schemas.microsoft.com/office/drawing/2010/main" w="9525">
                     <a:solidFill>
                       <a:srgbClr val="000000"/>
                     </a:solidFill>
@@ -12942,7 +12942,7 @@
               </a:ln>
               <a:extLst>
                 <a:ext uri="{91240B29-F687-4f45-9708-019B960494DF}">
-                  <a14:hiddenLine xmlns:a14="http://schemas.microsoft.com/office/drawing/2010/main" xmlns="" w="9525">
+                  <a14:hiddenLine xmlns="" xmlns:a14="http://schemas.microsoft.com/office/drawing/2010/main" w="9525">
                     <a:solidFill>
                       <a:srgbClr val="000000"/>
                     </a:solidFill>
@@ -13032,7 +13032,7 @@
               </a:ln>
               <a:extLst>
                 <a:ext uri="{91240B29-F687-4f45-9708-019B960494DF}">
-                  <a14:hiddenLine xmlns:a14="http://schemas.microsoft.com/office/drawing/2010/main" xmlns="" w="9525">
+                  <a14:hiddenLine xmlns="" xmlns:a14="http://schemas.microsoft.com/office/drawing/2010/main" w="9525">
                     <a:solidFill>
                       <a:srgbClr val="000000"/>
                     </a:solidFill>
@@ -13097,7 +13097,7 @@
               </a:ln>
               <a:extLst>
                 <a:ext uri="{91240B29-F687-4f45-9708-019B960494DF}">
-                  <a14:hiddenLine xmlns:a14="http://schemas.microsoft.com/office/drawing/2010/main" xmlns="" w="9525">
+                  <a14:hiddenLine xmlns="" xmlns:a14="http://schemas.microsoft.com/office/drawing/2010/main" w="9525">
                     <a:solidFill>
                       <a:srgbClr val="000000"/>
                     </a:solidFill>
@@ -13159,7 +13159,7 @@
               </a:ln>
               <a:extLst>
                 <a:ext uri="{91240B29-F687-4f45-9708-019B960494DF}">
-                  <a14:hiddenLine xmlns:a14="http://schemas.microsoft.com/office/drawing/2010/main" xmlns="" w="9525">
+                  <a14:hiddenLine xmlns="" xmlns:a14="http://schemas.microsoft.com/office/drawing/2010/main" w="9525">
                     <a:solidFill>
                       <a:srgbClr val="000000"/>
                     </a:solidFill>
@@ -13249,7 +13249,7 @@
               </a:ln>
               <a:extLst>
                 <a:ext uri="{91240B29-F687-4f45-9708-019B960494DF}">
-                  <a14:hiddenLine xmlns:a14="http://schemas.microsoft.com/office/drawing/2010/main" xmlns="" w="9525">
+                  <a14:hiddenLine xmlns="" xmlns:a14="http://schemas.microsoft.com/office/drawing/2010/main" w="9525">
                     <a:solidFill>
                       <a:srgbClr val="000000"/>
                     </a:solidFill>
@@ -13339,7 +13339,7 @@
               </a:ln>
               <a:extLst>
                 <a:ext uri="{91240B29-F687-4f45-9708-019B960494DF}">
-                  <a14:hiddenLine xmlns:a14="http://schemas.microsoft.com/office/drawing/2010/main" xmlns="" w="9525">
+                  <a14:hiddenLine xmlns="" xmlns:a14="http://schemas.microsoft.com/office/drawing/2010/main" w="9525">
                     <a:solidFill>
                       <a:srgbClr val="000000"/>
                     </a:solidFill>
@@ -13404,7 +13404,7 @@
               </a:ln>
               <a:extLst>
                 <a:ext uri="{91240B29-F687-4f45-9708-019B960494DF}">
-                  <a14:hiddenLine xmlns:a14="http://schemas.microsoft.com/office/drawing/2010/main" xmlns="" w="9525">
+                  <a14:hiddenLine xmlns="" xmlns:a14="http://schemas.microsoft.com/office/drawing/2010/main" w="9525">
                     <a:solidFill>
                       <a:srgbClr val="000000"/>
                     </a:solidFill>
@@ -13524,7 +13524,7 @@
               </a:ln>
               <a:extLst>
                 <a:ext uri="{91240B29-F687-4f45-9708-019B960494DF}">
-                  <a14:hiddenLine xmlns:a14="http://schemas.microsoft.com/office/drawing/2010/main" xmlns="" w="9525">
+                  <a14:hiddenLine xmlns="" xmlns:a14="http://schemas.microsoft.com/office/drawing/2010/main" w="9525">
                     <a:solidFill>
                       <a:srgbClr val="000000"/>
                     </a:solidFill>
@@ -13605,7 +13605,7 @@
               </a:ln>
               <a:extLst>
                 <a:ext uri="{91240B29-F687-4f45-9708-019B960494DF}">
-                  <a14:hiddenLine xmlns:a14="http://schemas.microsoft.com/office/drawing/2010/main" xmlns="" w="9525">
+                  <a14:hiddenLine xmlns="" xmlns:a14="http://schemas.microsoft.com/office/drawing/2010/main" w="9525">
                     <a:solidFill>
                       <a:srgbClr val="000000"/>
                     </a:solidFill>
@@ -13720,7 +13720,7 @@
               </a:ln>
               <a:extLst>
                 <a:ext uri="{91240B29-F687-4f45-9708-019B960494DF}">
-                  <a14:hiddenLine xmlns:a14="http://schemas.microsoft.com/office/drawing/2010/main" xmlns="" w="9525">
+                  <a14:hiddenLine xmlns="" xmlns:a14="http://schemas.microsoft.com/office/drawing/2010/main" w="9525">
                     <a:solidFill>
                       <a:srgbClr val="000000"/>
                     </a:solidFill>
@@ -13810,7 +13810,7 @@
               </a:ln>
               <a:extLst>
                 <a:ext uri="{91240B29-F687-4f45-9708-019B960494DF}">
-                  <a14:hiddenLine xmlns:a14="http://schemas.microsoft.com/office/drawing/2010/main" xmlns="" w="9525">
+                  <a14:hiddenLine xmlns="" xmlns:a14="http://schemas.microsoft.com/office/drawing/2010/main" w="9525">
                     <a:solidFill>
                       <a:srgbClr val="000000"/>
                     </a:solidFill>
@@ -13875,7 +13875,7 @@
               </a:ln>
               <a:extLst>
                 <a:ext uri="{91240B29-F687-4f45-9708-019B960494DF}">
-                  <a14:hiddenLine xmlns:a14="http://schemas.microsoft.com/office/drawing/2010/main" xmlns="" w="9525">
+                  <a14:hiddenLine xmlns="" xmlns:a14="http://schemas.microsoft.com/office/drawing/2010/main" w="9525">
                     <a:solidFill>
                       <a:srgbClr val="000000"/>
                     </a:solidFill>
@@ -13965,7 +13965,7 @@
               </a:ln>
               <a:extLst>
                 <a:ext uri="{91240B29-F687-4f45-9708-019B960494DF}">
-                  <a14:hiddenLine xmlns:a14="http://schemas.microsoft.com/office/drawing/2010/main" xmlns="" w="9525">
+                  <a14:hiddenLine xmlns="" xmlns:a14="http://schemas.microsoft.com/office/drawing/2010/main" w="9525">
                     <a:solidFill>
                       <a:srgbClr val="000000"/>
                     </a:solidFill>
@@ -14033,7 +14033,7 @@
               </a:ln>
               <a:extLst>
                 <a:ext uri="{91240B29-F687-4f45-9708-019B960494DF}">
-                  <a14:hiddenLine xmlns:a14="http://schemas.microsoft.com/office/drawing/2010/main" xmlns="" w="9525">
+                  <a14:hiddenLine xmlns="" xmlns:a14="http://schemas.microsoft.com/office/drawing/2010/main" w="9525">
                     <a:solidFill>
                       <a:srgbClr val="000000"/>
                     </a:solidFill>
@@ -14123,7 +14123,7 @@
               </a:ln>
               <a:extLst>
                 <a:ext uri="{91240B29-F687-4f45-9708-019B960494DF}">
-                  <a14:hiddenLine xmlns:a14="http://schemas.microsoft.com/office/drawing/2010/main" xmlns="" w="9525">
+                  <a14:hiddenLine xmlns="" xmlns:a14="http://schemas.microsoft.com/office/drawing/2010/main" w="9525">
                     <a:solidFill>
                       <a:srgbClr val="000000"/>
                     </a:solidFill>
@@ -14191,7 +14191,7 @@
               </a:ln>
               <a:extLst>
                 <a:ext uri="{91240B29-F687-4f45-9708-019B960494DF}">
-                  <a14:hiddenLine xmlns:a14="http://schemas.microsoft.com/office/drawing/2010/main" xmlns="" w="9525">
+                  <a14:hiddenLine xmlns="" xmlns:a14="http://schemas.microsoft.com/office/drawing/2010/main" w="9525">
                     <a:solidFill>
                       <a:srgbClr val="000000"/>
                     </a:solidFill>
@@ -14281,7 +14281,7 @@
               </a:ln>
               <a:extLst>
                 <a:ext uri="{91240B29-F687-4f45-9708-019B960494DF}">
-                  <a14:hiddenLine xmlns:a14="http://schemas.microsoft.com/office/drawing/2010/main" xmlns="" w="9525">
+                  <a14:hiddenLine xmlns="" xmlns:a14="http://schemas.microsoft.com/office/drawing/2010/main" w="9525">
                     <a:solidFill>
                       <a:srgbClr val="000000"/>
                     </a:solidFill>
@@ -14315,7 +14315,7 @@
               </a:ln>
               <a:extLst>
                 <a:ext uri="{91240B29-F687-4f45-9708-019B960494DF}">
-                  <a14:hiddenLine xmlns:a14="http://schemas.microsoft.com/office/drawing/2010/main" xmlns="" w="9525">
+                  <a14:hiddenLine xmlns="" xmlns:a14="http://schemas.microsoft.com/office/drawing/2010/main" w="9525">
                     <a:solidFill>
                       <a:srgbClr val="000000"/>
                     </a:solidFill>
@@ -15103,8 +15103,8 @@
         </p:blipFill>
         <p:spPr>
           <a:xfrm>
-            <a:off x="320138" y="887104"/>
-            <a:ext cx="7676278" cy="2634017"/>
+            <a:off x="320137" y="1200552"/>
+            <a:ext cx="7476325" cy="2565405"/>
           </a:xfrm>
           <a:prstGeom prst="rect">
             <a:avLst/>
@@ -15134,7 +15134,7 @@
         <p:spPr>
           <a:xfrm>
             <a:off x="352934" y="3862315"/>
-            <a:ext cx="7679469" cy="2765241"/>
+            <a:ext cx="7443529" cy="2680283"/>
           </a:xfrm>
           <a:prstGeom prst="rect">
             <a:avLst/>
@@ -15213,6 +15213,40 @@
                 <a:cs typeface="Arial" panose="020B0604020202020204" pitchFamily="34" charset="0"/>
               </a:rPr>
               <a:t>Default Rates (Rank Order)</a:t>
+            </a:r>
+          </a:p>
+        </p:txBody>
+      </p:sp>
+      <p:sp>
+        <p:nvSpPr>
+          <p:cNvPr id="7" name="Rectangle 6">
+            <a:extLst>
+              <a:ext uri="{FF2B5EF4-FFF2-40B4-BE49-F238E27FC236}">
+                <a16:creationId xmlns:a16="http://schemas.microsoft.com/office/drawing/2014/main" id="{BF690D5E-D00A-4E87-A34F-92DDD998B75F}"/>
+              </a:ext>
+            </a:extLst>
+          </p:cNvPr>
+          <p:cNvSpPr/>
+          <p:nvPr/>
+        </p:nvSpPr>
+        <p:spPr>
+          <a:xfrm>
+            <a:off x="834189" y="580998"/>
+            <a:ext cx="10764253" cy="569387"/>
+          </a:xfrm>
+          <a:prstGeom prst="rect">
+            <a:avLst/>
+          </a:prstGeom>
+        </p:spPr>
+        <p:txBody>
+          <a:bodyPr wrap="square">
+            <a:spAutoFit/>
+          </a:bodyPr>
+          <a:lstStyle/>
+          <a:p>
+            <a:r>
+              <a:rPr lang="en-US" sz="3100" dirty="0"/>
+              <a:t>ANALYSIS 1 – DEFAULT RATE BY TUITION AND PROGRAM LENGTH</a:t>
             </a:r>
           </a:p>
         </p:txBody>
@@ -15474,13 +15508,13 @@
         </p:nvSpPr>
         <p:spPr>
           <a:xfrm>
-            <a:off x="1141413" y="1117600"/>
-            <a:ext cx="10212524" cy="4927600"/>
+            <a:off x="1141413" y="1373632"/>
+            <a:ext cx="10212524" cy="5210048"/>
           </a:xfrm>
         </p:spPr>
         <p:txBody>
           <a:bodyPr>
-            <a:normAutofit fontScale="92500" lnSpcReduction="10000"/>
+            <a:normAutofit fontScale="92500" lnSpcReduction="20000"/>
           </a:bodyPr>
           <a:lstStyle/>
           <a:p>
@@ -15488,6 +15522,39 @@
               <a:lnSpc>
                 <a:spcPct val="110000"/>
               </a:lnSpc>
+              <a:buNone/>
+            </a:pPr>
+            <a:r>
+              <a:rPr lang="en-US" dirty="0">
+                <a:latin typeface="Arial" panose="020B0604020202020204" pitchFamily="34" charset="0"/>
+                <a:cs typeface="Arial" panose="020B0604020202020204" pitchFamily="34" charset="0"/>
+              </a:rPr>
+              <a:t>QUESTION &lt;- Are there correlations between school type and default rate?</a:t>
+            </a:r>
+          </a:p>
+          <a:p>
+            <a:pPr marL="0" indent="0">
+              <a:lnSpc>
+                <a:spcPct val="110000"/>
+              </a:lnSpc>
+              <a:spcBef>
+                <a:spcPts val="0"/>
+              </a:spcBef>
+              <a:buNone/>
+            </a:pPr>
+            <a:endParaRPr lang="en-US" dirty="0">
+              <a:latin typeface="Arial" panose="020B0604020202020204" pitchFamily="34" charset="0"/>
+              <a:cs typeface="Arial" panose="020B0604020202020204" pitchFamily="34" charset="0"/>
+            </a:endParaRPr>
+          </a:p>
+          <a:p>
+            <a:pPr marL="0" indent="0">
+              <a:lnSpc>
+                <a:spcPct val="110000"/>
+              </a:lnSpc>
+              <a:spcBef>
+                <a:spcPts val="0"/>
+              </a:spcBef>
               <a:buNone/>
             </a:pPr>
             <a:r>
@@ -15617,39 +15684,34 @@
       </p:sp>
       <p:sp>
         <p:nvSpPr>
-          <p:cNvPr id="3" name="TextBox 2">
+          <p:cNvPr id="5" name="Rectangle 4">
             <a:extLst>
               <a:ext uri="{FF2B5EF4-FFF2-40B4-BE49-F238E27FC236}">
-                <a16:creationId xmlns:a16="http://schemas.microsoft.com/office/drawing/2014/main" id="{5DA8DF66-4834-44B6-9E1D-D1ECEAADDD93}"/>
+                <a16:creationId xmlns:a16="http://schemas.microsoft.com/office/drawing/2014/main" id="{79E88C8A-B6BA-4957-B8B1-27FDE09ECF17}"/>
               </a:ext>
             </a:extLst>
           </p:cNvPr>
-          <p:cNvSpPr txBox="1"/>
+          <p:cNvSpPr/>
           <p:nvPr/>
         </p:nvSpPr>
         <p:spPr>
           <a:xfrm>
-            <a:off x="1659467" y="254000"/>
-            <a:ext cx="8856133" cy="523220"/>
+            <a:off x="834888" y="603077"/>
+            <a:ext cx="10764253" cy="569387"/>
           </a:xfrm>
           <a:prstGeom prst="rect">
             <a:avLst/>
           </a:prstGeom>
-          <a:noFill/>
         </p:spPr>
         <p:txBody>
-          <a:bodyPr wrap="square" rtlCol="0">
+          <a:bodyPr wrap="square">
             <a:spAutoFit/>
           </a:bodyPr>
           <a:lstStyle/>
           <a:p>
-            <a:pPr algn="ctr"/>
-            <a:r>
-              <a:rPr lang="en-US" sz="2800" dirty="0">
-                <a:latin typeface="Arial" panose="020B0604020202020204" pitchFamily="34" charset="0"/>
-                <a:cs typeface="Arial" panose="020B0604020202020204" pitchFamily="34" charset="0"/>
-              </a:rPr>
-              <a:t>Analysis 2: Default Rate by School Type</a:t>
+            <a:r>
+              <a:rPr lang="en-US" sz="3100" dirty="0"/>
+              <a:t>ANALYSIS 2 – DEFAULT RATE BY SCHOOL TYPE</a:t>
             </a:r>
           </a:p>
         </p:txBody>
@@ -16121,43 +16183,6 @@
           </a:p>
         </p:txBody>
       </p:sp>
-      <p:sp>
-        <p:nvSpPr>
-          <p:cNvPr id="13" name="Rectangle 12">
-            <a:extLst>
-              <a:ext uri="{FF2B5EF4-FFF2-40B4-BE49-F238E27FC236}">
-                <a16:creationId xmlns:a16="http://schemas.microsoft.com/office/drawing/2014/main" id="{D9848DE4-F9BB-473D-BA97-50CD1EDA4172}"/>
-              </a:ext>
-            </a:extLst>
-          </p:cNvPr>
-          <p:cNvSpPr/>
-          <p:nvPr/>
-        </p:nvSpPr>
-        <p:spPr>
-          <a:xfrm>
-            <a:off x="2807369" y="251877"/>
-            <a:ext cx="6669242" cy="523220"/>
-          </a:xfrm>
-          <a:prstGeom prst="rect">
-            <a:avLst/>
-          </a:prstGeom>
-        </p:spPr>
-        <p:txBody>
-          <a:bodyPr wrap="square">
-            <a:spAutoFit/>
-          </a:bodyPr>
-          <a:lstStyle/>
-          <a:p>
-            <a:r>
-              <a:rPr lang="en-US" sz="2800" dirty="0">
-                <a:latin typeface="Arial" panose="020B0604020202020204" pitchFamily="34" charset="0"/>
-                <a:cs typeface="Arial" panose="020B0604020202020204" pitchFamily="34" charset="0"/>
-              </a:rPr>
-              <a:t>Analysis 2: Default Rate by School Type</a:t>
-            </a:r>
-          </a:p>
-        </p:txBody>
-      </p:sp>
       <p:pic>
         <p:nvPicPr>
           <p:cNvPr id="14" name="Picture 13">
@@ -16260,6 +16285,40 @@
           </a:prstGeom>
         </p:spPr>
       </p:pic>
+      <p:sp>
+        <p:nvSpPr>
+          <p:cNvPr id="17" name="Rectangle 16">
+            <a:extLst>
+              <a:ext uri="{FF2B5EF4-FFF2-40B4-BE49-F238E27FC236}">
+                <a16:creationId xmlns:a16="http://schemas.microsoft.com/office/drawing/2014/main" id="{937F0132-2740-4AF8-841E-6C55B9D02054}"/>
+              </a:ext>
+            </a:extLst>
+          </p:cNvPr>
+          <p:cNvSpPr/>
+          <p:nvPr/>
+        </p:nvSpPr>
+        <p:spPr>
+          <a:xfrm>
+            <a:off x="834888" y="603077"/>
+            <a:ext cx="10764253" cy="569387"/>
+          </a:xfrm>
+          <a:prstGeom prst="rect">
+            <a:avLst/>
+          </a:prstGeom>
+        </p:spPr>
+        <p:txBody>
+          <a:bodyPr wrap="square">
+            <a:spAutoFit/>
+          </a:bodyPr>
+          <a:lstStyle/>
+          <a:p>
+            <a:r>
+              <a:rPr lang="en-US" sz="3100" dirty="0"/>
+              <a:t>ANALYSIS 2 – DEFAULT RATE BY SCHOOL TYPE</a:t>
+            </a:r>
+          </a:p>
+        </p:txBody>
+      </p:sp>
     </p:spTree>
     <p:extLst>
       <p:ext uri="{BB962C8B-B14F-4D97-AF65-F5344CB8AC3E}">
@@ -16428,45 +16487,6 @@
             <a:r>
               <a:rPr lang="en-US" sz="2000" dirty="0"/>
               <a:t>	</a:t>
-            </a:r>
-          </a:p>
-        </p:txBody>
-      </p:sp>
-      <p:sp>
-        <p:nvSpPr>
-          <p:cNvPr id="5" name="TextBox 4">
-            <a:extLst>
-              <a:ext uri="{FF2B5EF4-FFF2-40B4-BE49-F238E27FC236}">
-                <a16:creationId xmlns:a16="http://schemas.microsoft.com/office/drawing/2014/main" id="{8A4BBDDE-BE3D-47CF-ADF1-E9D632ABA397}"/>
-              </a:ext>
-            </a:extLst>
-          </p:cNvPr>
-          <p:cNvSpPr txBox="1"/>
-          <p:nvPr/>
-        </p:nvSpPr>
-        <p:spPr>
-          <a:xfrm>
-            <a:off x="1852612" y="278064"/>
-            <a:ext cx="8483600" cy="523220"/>
-          </a:xfrm>
-          <a:prstGeom prst="rect">
-            <a:avLst/>
-          </a:prstGeom>
-          <a:noFill/>
-        </p:spPr>
-        <p:txBody>
-          <a:bodyPr wrap="square" rtlCol="0">
-            <a:spAutoFit/>
-          </a:bodyPr>
-          <a:lstStyle/>
-          <a:p>
-            <a:pPr algn="ctr"/>
-            <a:r>
-              <a:rPr lang="en-US" sz="2800" dirty="0">
-                <a:latin typeface="Arial" panose="020B0604020202020204" pitchFamily="34" charset="0"/>
-                <a:cs typeface="Arial" panose="020B0604020202020204" pitchFamily="34" charset="0"/>
-              </a:rPr>
-              <a:t>Analysis 2: Default Rate by School Type</a:t>
             </a:r>
           </a:p>
         </p:txBody>
@@ -16543,6 +16563,40 @@
           </a:prstGeom>
         </p:spPr>
       </p:pic>
+      <p:sp>
+        <p:nvSpPr>
+          <p:cNvPr id="8" name="Rectangle 7">
+            <a:extLst>
+              <a:ext uri="{FF2B5EF4-FFF2-40B4-BE49-F238E27FC236}">
+                <a16:creationId xmlns:a16="http://schemas.microsoft.com/office/drawing/2014/main" id="{2CD93829-3843-4959-92BB-20ED37888A98}"/>
+              </a:ext>
+            </a:extLst>
+          </p:cNvPr>
+          <p:cNvSpPr/>
+          <p:nvPr/>
+        </p:nvSpPr>
+        <p:spPr>
+          <a:xfrm>
+            <a:off x="834888" y="603077"/>
+            <a:ext cx="10764253" cy="569387"/>
+          </a:xfrm>
+          <a:prstGeom prst="rect">
+            <a:avLst/>
+          </a:prstGeom>
+        </p:spPr>
+        <p:txBody>
+          <a:bodyPr wrap="square">
+            <a:spAutoFit/>
+          </a:bodyPr>
+          <a:lstStyle/>
+          <a:p>
+            <a:r>
+              <a:rPr lang="en-US" sz="3100" dirty="0"/>
+              <a:t>ANALYSIS 2 – DEFAULT RATE BY SCHOOL TYPE</a:t>
+            </a:r>
+          </a:p>
+        </p:txBody>
+      </p:sp>
     </p:spTree>
     <p:extLst>
       <p:ext uri="{BB962C8B-B14F-4D97-AF65-F5344CB8AC3E}">
@@ -16717,38 +16771,34 @@
       </p:sp>
       <p:sp>
         <p:nvSpPr>
-          <p:cNvPr id="4" name="TextBox 3">
+          <p:cNvPr id="5" name="Rectangle 4">
             <a:extLst>
               <a:ext uri="{FF2B5EF4-FFF2-40B4-BE49-F238E27FC236}">
-                <a16:creationId xmlns:a16="http://schemas.microsoft.com/office/drawing/2014/main" id="{C2A1CB20-3AEB-43DF-BF47-F6C4028FCDB2}"/>
+                <a16:creationId xmlns:a16="http://schemas.microsoft.com/office/drawing/2014/main" id="{E9CA5599-2D1B-45B3-9DD0-6C6CFC72FCF3}"/>
               </a:ext>
             </a:extLst>
           </p:cNvPr>
-          <p:cNvSpPr txBox="1"/>
+          <p:cNvSpPr/>
           <p:nvPr/>
         </p:nvSpPr>
         <p:spPr>
           <a:xfrm>
-            <a:off x="2951747" y="529390"/>
-            <a:ext cx="9240253" cy="523220"/>
+            <a:off x="834888" y="603077"/>
+            <a:ext cx="10764253" cy="569387"/>
           </a:xfrm>
           <a:prstGeom prst="rect">
             <a:avLst/>
           </a:prstGeom>
-          <a:noFill/>
         </p:spPr>
         <p:txBody>
-          <a:bodyPr wrap="square" rtlCol="0">
+          <a:bodyPr wrap="square">
             <a:spAutoFit/>
           </a:bodyPr>
           <a:lstStyle/>
           <a:p>
             <a:r>
-              <a:rPr lang="en-US" sz="2800" dirty="0">
-                <a:latin typeface="Arial" panose="020B0604020202020204" pitchFamily="34" charset="0"/>
-                <a:cs typeface="Arial" panose="020B0604020202020204" pitchFamily="34" charset="0"/>
-              </a:rPr>
-              <a:t>Analysis 3 – Default Rate by Location</a:t>
+              <a:rPr lang="en-US" sz="3100" dirty="0"/>
+              <a:t>ANALYSIS 3 – DEFAULT RATE BY LOCATION</a:t>
             </a:r>
           </a:p>
         </p:txBody>
@@ -16831,7 +16881,7 @@
         </p:nvSpPr>
         <p:spPr>
           <a:xfrm>
-            <a:off x="2197768" y="786064"/>
+            <a:off x="1009841" y="1241690"/>
             <a:ext cx="8518357" cy="584775"/>
           </a:xfrm>
           <a:prstGeom prst="rect">
@@ -16850,7 +16900,41 @@
                 <a:latin typeface="Arial" panose="020B0604020202020204" pitchFamily="34" charset="0"/>
                 <a:cs typeface="Arial" panose="020B0604020202020204" pitchFamily="34" charset="0"/>
               </a:rPr>
-              <a:t>Default Rate by Location – U.S. Map</a:t>
+              <a:t>U.S. Map</a:t>
+            </a:r>
+          </a:p>
+        </p:txBody>
+      </p:sp>
+      <p:sp>
+        <p:nvSpPr>
+          <p:cNvPr id="4" name="Rectangle 3">
+            <a:extLst>
+              <a:ext uri="{FF2B5EF4-FFF2-40B4-BE49-F238E27FC236}">
+                <a16:creationId xmlns:a16="http://schemas.microsoft.com/office/drawing/2014/main" id="{437894CD-6E58-46A6-BB0D-CBA8A5C28AAE}"/>
+              </a:ext>
+            </a:extLst>
+          </p:cNvPr>
+          <p:cNvSpPr/>
+          <p:nvPr/>
+        </p:nvSpPr>
+        <p:spPr>
+          <a:xfrm>
+            <a:off x="834888" y="603077"/>
+            <a:ext cx="10764253" cy="569387"/>
+          </a:xfrm>
+          <a:prstGeom prst="rect">
+            <a:avLst/>
+          </a:prstGeom>
+        </p:spPr>
+        <p:txBody>
+          <a:bodyPr wrap="square">
+            <a:spAutoFit/>
+          </a:bodyPr>
+          <a:lstStyle/>
+          <a:p>
+            <a:r>
+              <a:rPr lang="en-US" sz="3100" dirty="0"/>
+              <a:t>ANALYSIS 3 – DEFAULT RATE BY LOCATION</a:t>
             </a:r>
           </a:p>
         </p:txBody>
@@ -16907,7 +16991,7 @@
           <a:graphicData uri="http://schemas.openxmlformats.org/presentationml/2006/ole">
             <mc:AlternateContent xmlns:mc="http://schemas.openxmlformats.org/markup-compatibility/2006">
               <mc:Choice xmlns:v="urn:schemas-microsoft-com:vml" Requires="v">
-                <p:oleObj spid="_x0000_s1035" name="Packager Shell Object" showAsIcon="1" r:id="rId4" imgW="924840" imgH="488520" progId="Package">
+                <p:oleObj spid="_x0000_s1039" name="Packager Shell Object" showAsIcon="1" r:id="rId4" imgW="924840" imgH="488520" progId="Package">
                   <p:embed/>
                 </p:oleObj>
               </mc:Choice>
@@ -16994,7 +17078,7 @@
         </p:blipFill>
         <p:spPr>
           <a:xfrm>
-            <a:off x="1583140" y="1695711"/>
+            <a:off x="1583140" y="1860303"/>
             <a:ext cx="9062114" cy="4609079"/>
           </a:xfrm>
           <a:prstGeom prst="rect">
@@ -17016,8 +17100,8 @@
         </p:nvSpPr>
         <p:spPr>
           <a:xfrm>
-            <a:off x="1806891" y="618493"/>
-            <a:ext cx="8614611" cy="1077218"/>
+            <a:off x="252411" y="1285474"/>
+            <a:ext cx="8614611" cy="584775"/>
           </a:xfrm>
           <a:prstGeom prst="rect">
             <a:avLst/>
@@ -17033,14 +17117,41 @@
             <a:pPr algn="ctr"/>
             <a:r>
               <a:rPr lang="en-US" sz="3200" dirty="0"/>
-              <a:t>Default Rate by Location </a:t>
-            </a:r>
-          </a:p>
-          <a:p>
-            <a:pPr algn="ctr"/>
-            <a:r>
-              <a:rPr lang="en-US" sz="3200" dirty="0"/>
               <a:t>State Level:  Iowa , Year Level: 2013</a:t>
+            </a:r>
+          </a:p>
+        </p:txBody>
+      </p:sp>
+      <p:sp>
+        <p:nvSpPr>
+          <p:cNvPr id="6" name="Rectangle 5">
+            <a:extLst>
+              <a:ext uri="{FF2B5EF4-FFF2-40B4-BE49-F238E27FC236}">
+                <a16:creationId xmlns:a16="http://schemas.microsoft.com/office/drawing/2014/main" id="{2F766AF9-ADE8-4F56-94BE-B5581E4CC72A}"/>
+              </a:ext>
+            </a:extLst>
+          </p:cNvPr>
+          <p:cNvSpPr/>
+          <p:nvPr/>
+        </p:nvSpPr>
+        <p:spPr>
+          <a:xfrm>
+            <a:off x="834888" y="603077"/>
+            <a:ext cx="10764253" cy="569387"/>
+          </a:xfrm>
+          <a:prstGeom prst="rect">
+            <a:avLst/>
+          </a:prstGeom>
+        </p:spPr>
+        <p:txBody>
+          <a:bodyPr wrap="square">
+            <a:spAutoFit/>
+          </a:bodyPr>
+          <a:lstStyle/>
+          <a:p>
+            <a:r>
+              <a:rPr lang="en-US" sz="3100" dirty="0"/>
+              <a:t>ANALYSIS 3 – DEFAULT RATE BY LOCATION</a:t>
             </a:r>
           </a:p>
         </p:txBody>
@@ -17099,15 +17210,14 @@
         </p:spPr>
         <p:txBody>
           <a:bodyPr>
-            <a:normAutofit/>
+            <a:normAutofit lnSpcReduction="10000"/>
           </a:bodyPr>
           <a:lstStyle/>
           <a:p>
-            <a:pPr marL="457200" lvl="1" indent="0">
-              <a:lnSpc>
-                <a:spcPct val="110000"/>
-              </a:lnSpc>
-              <a:buSzPct val="80000"/>
+            <a:pPr marL="0" indent="0">
+              <a:spcBef>
+                <a:spcPts val="0"/>
+              </a:spcBef>
               <a:buNone/>
             </a:pPr>
             <a:r>
@@ -17115,7 +17225,51 @@
                 <a:latin typeface="Arial" panose="020B0604020202020204" pitchFamily="34" charset="0"/>
                 <a:cs typeface="Arial" panose="020B0604020202020204" pitchFamily="34" charset="0"/>
               </a:rPr>
-              <a:t>Question 1 &lt;- Influence of tuition cost and program length on default rates </a:t>
+              <a:t>QUESTION 1 &lt;- </a:t>
+            </a:r>
+            <a:r>
+              <a:rPr lang="en-US" dirty="0">
+                <a:latin typeface="Arial" panose="020B0604020202020204" pitchFamily="34" charset="0"/>
+                <a:cs typeface="Arial" panose="020B0604020202020204" pitchFamily="34" charset="0"/>
+              </a:rPr>
+              <a:t>Is there a correlation between the default rate based on cost of tuition?</a:t>
+            </a:r>
+          </a:p>
+          <a:p>
+            <a:pPr lvl="4">
+              <a:lnSpc>
+                <a:spcPct val="110000"/>
+              </a:lnSpc>
+              <a:spcBef>
+                <a:spcPts val="0"/>
+              </a:spcBef>
+              <a:buSzPct val="80000"/>
+            </a:pPr>
+            <a:r>
+              <a:rPr lang="en-US" sz="2400" dirty="0">
+                <a:latin typeface="Arial" panose="020B0604020202020204" pitchFamily="34" charset="0"/>
+                <a:cs typeface="Arial" panose="020B0604020202020204" pitchFamily="34" charset="0"/>
+              </a:rPr>
+              <a:t>Both tuition cost and program length are significantly negatively correlated with loan default rates	</a:t>
+            </a:r>
+          </a:p>
+          <a:p>
+            <a:pPr marL="0" indent="0">
+              <a:buNone/>
+            </a:pPr>
+            <a:r>
+              <a:rPr lang="en-US" sz="2400" dirty="0">
+                <a:latin typeface="Arial" panose="020B0604020202020204" pitchFamily="34" charset="0"/>
+                <a:cs typeface="Arial" panose="020B0604020202020204" pitchFamily="34" charset="0"/>
+              </a:rPr>
+              <a:t>QUESTION 2 &lt;- </a:t>
+            </a:r>
+            <a:r>
+              <a:rPr lang="en-US" dirty="0">
+                <a:latin typeface="Arial" panose="020B0604020202020204" pitchFamily="34" charset="0"/>
+                <a:cs typeface="Arial" panose="020B0604020202020204" pitchFamily="34" charset="0"/>
+              </a:rPr>
+              <a:t>Are there correlations between school type and default rate?</a:t>
             </a:r>
           </a:p>
           <a:p>
@@ -17130,23 +17284,7 @@
                 <a:latin typeface="Arial" panose="020B0604020202020204" pitchFamily="34" charset="0"/>
                 <a:cs typeface="Arial" panose="020B0604020202020204" pitchFamily="34" charset="0"/>
               </a:rPr>
-              <a:t>Both tuition cost and program length are significantly negatively correlated with loan default rates	</a:t>
-            </a:r>
-          </a:p>
-          <a:p>
-            <a:pPr marL="457200" lvl="1" indent="0">
-              <a:lnSpc>
-                <a:spcPct val="150000"/>
-              </a:lnSpc>
-              <a:buSzPct val="80000"/>
-              <a:buNone/>
-            </a:pPr>
-            <a:r>
-              <a:rPr lang="en-US" sz="2400" dirty="0">
-                <a:latin typeface="Arial" panose="020B0604020202020204" pitchFamily="34" charset="0"/>
-                <a:cs typeface="Arial" panose="020B0604020202020204" pitchFamily="34" charset="0"/>
-              </a:rPr>
-              <a:t>Question 2 &lt;- Correlations between school type and default rate</a:t>
+              <a:t>Public institutions have the highest default rates	</a:t>
             </a:r>
           </a:p>
           <a:p>
@@ -17161,7 +17299,26 @@
                 <a:latin typeface="Arial" panose="020B0604020202020204" pitchFamily="34" charset="0"/>
                 <a:cs typeface="Arial" panose="020B0604020202020204" pitchFamily="34" charset="0"/>
               </a:rPr>
-              <a:t>Public institutions have the highest default rates	</a:t>
+              <a:t>Private institutions have the lowest default rates	</a:t>
+            </a:r>
+          </a:p>
+          <a:p>
+            <a:pPr marL="0" indent="0">
+              <a:buNone/>
+            </a:pPr>
+            <a:r>
+              <a:rPr lang="en-US" sz="2400" dirty="0">
+                <a:latin typeface="Arial" panose="020B0604020202020204" pitchFamily="34" charset="0"/>
+                <a:cs typeface="Arial" panose="020B0604020202020204" pitchFamily="34" charset="0"/>
+              </a:rPr>
+              <a:t>QUESTION 3 &lt;- </a:t>
+            </a:r>
+            <a:r>
+              <a:rPr lang="en-US" dirty="0">
+                <a:latin typeface="Arial" panose="020B0604020202020204" pitchFamily="34" charset="0"/>
+                <a:cs typeface="Arial" panose="020B0604020202020204" pitchFamily="34" charset="0"/>
+              </a:rPr>
+              <a:t>Are there relationships between the geographic location of  institutions and the default rates?</a:t>
             </a:r>
           </a:p>
           <a:p>
@@ -17176,23 +17333,7 @@
                 <a:latin typeface="Arial" panose="020B0604020202020204" pitchFamily="34" charset="0"/>
                 <a:cs typeface="Arial" panose="020B0604020202020204" pitchFamily="34" charset="0"/>
               </a:rPr>
-              <a:t>Private institutions have the lowest default rates	</a:t>
-            </a:r>
-          </a:p>
-          <a:p>
-            <a:pPr marL="457200" lvl="1" indent="0">
-              <a:lnSpc>
-                <a:spcPct val="150000"/>
-              </a:lnSpc>
-              <a:buSzPct val="80000"/>
-              <a:buNone/>
-            </a:pPr>
-            <a:r>
-              <a:rPr lang="en-US" sz="2400" dirty="0">
-                <a:latin typeface="Arial" panose="020B0604020202020204" pitchFamily="34" charset="0"/>
-                <a:cs typeface="Arial" panose="020B0604020202020204" pitchFamily="34" charset="0"/>
-              </a:rPr>
-              <a:t>Question 3 &lt;- What geographic areas have the highest and lowest default rates</a:t>
+              <a:t>States in the North East region of the U.S. have lower default rates</a:t>
             </a:r>
           </a:p>
           <a:p>
@@ -17207,30 +17348,16 @@
                 <a:latin typeface="Arial" panose="020B0604020202020204" pitchFamily="34" charset="0"/>
                 <a:cs typeface="Arial" panose="020B0604020202020204" pitchFamily="34" charset="0"/>
               </a:rPr>
-              <a:t>States in the North East region of the U.S. have lower default rates</a:t>
-            </a:r>
-          </a:p>
-          <a:p>
-            <a:pPr lvl="4">
+              <a:t>States in the South East region have higher default rates</a:t>
+            </a:r>
+          </a:p>
+          <a:p>
+            <a:pPr marL="1371600" lvl="3" indent="0">
               <a:lnSpc>
                 <a:spcPct val="110000"/>
               </a:lnSpc>
               <a:buSzPct val="80000"/>
-            </a:pPr>
-            <a:r>
-              <a:rPr lang="en-US" sz="2400" dirty="0">
-                <a:latin typeface="Arial" panose="020B0604020202020204" pitchFamily="34" charset="0"/>
-                <a:cs typeface="Arial" panose="020B0604020202020204" pitchFamily="34" charset="0"/>
-              </a:rPr>
-              <a:t>States in the South East region have higher default rates</a:t>
-            </a:r>
-          </a:p>
-          <a:p>
-            <a:pPr lvl="3">
-              <a:lnSpc>
-                <a:spcPct val="110000"/>
-              </a:lnSpc>
-              <a:buSzPct val="80000"/>
+              <a:buNone/>
             </a:pPr>
             <a:endParaRPr lang="en-US" sz="2400" dirty="0">
               <a:latin typeface="Arial" panose="020B0604020202020204" pitchFamily="34" charset="0"/>
@@ -17343,40 +17470,6 @@
       </p:grpSpPr>
       <p:sp>
         <p:nvSpPr>
-          <p:cNvPr id="2" name="Title 1">
-            <a:extLst>
-              <a:ext uri="{FF2B5EF4-FFF2-40B4-BE49-F238E27FC236}">
-                <a16:creationId xmlns:a16="http://schemas.microsoft.com/office/drawing/2014/main" id="{82F5D178-FAC9-4CA6-BB79-43FFCAD033A5}"/>
-              </a:ext>
-            </a:extLst>
-          </p:cNvPr>
-          <p:cNvSpPr>
-            <a:spLocks noGrp="1"/>
-          </p:cNvSpPr>
-          <p:nvPr>
-            <p:ph type="title"/>
-          </p:nvPr>
-        </p:nvSpPr>
-        <p:spPr>
-          <a:xfrm>
-            <a:off x="1141413" y="146304"/>
-            <a:ext cx="9905998" cy="914400"/>
-          </a:xfrm>
-        </p:spPr>
-        <p:txBody>
-          <a:bodyPr/>
-          <a:lstStyle/>
-          <a:p>
-            <a:pPr algn="ctr"/>
-            <a:r>
-              <a:rPr lang="en-US" dirty="0"/>
-              <a:t>Project overview</a:t>
-            </a:r>
-          </a:p>
-        </p:txBody>
-      </p:sp>
-      <p:sp>
-        <p:nvSpPr>
           <p:cNvPr id="3" name="Content Placeholder 2">
             <a:extLst>
               <a:ext uri="{FF2B5EF4-FFF2-40B4-BE49-F238E27FC236}">
@@ -17445,49 +17538,52 @@
             </a:endParaRPr>
           </a:p>
           <a:p>
+            <a:pPr marL="0" indent="0">
+              <a:buNone/>
+            </a:pPr>
+            <a:r>
+              <a:rPr lang="en-US" dirty="0">
+                <a:latin typeface="Arial" panose="020B0604020202020204" pitchFamily="34" charset="0"/>
+                <a:cs typeface="Arial" panose="020B0604020202020204" pitchFamily="34" charset="0"/>
+              </a:rPr>
+              <a:t>&lt;- Is there a correlation between the default rate based on cost of tuition?</a:t>
+            </a:r>
+          </a:p>
+          <a:p>
+            <a:pPr marL="0" indent="0">
+              <a:buNone/>
+            </a:pPr>
+            <a:r>
+              <a:rPr lang="en-US" dirty="0">
+                <a:latin typeface="Arial" panose="020B0604020202020204" pitchFamily="34" charset="0"/>
+                <a:cs typeface="Arial" panose="020B0604020202020204" pitchFamily="34" charset="0"/>
+              </a:rPr>
+              <a:t>&lt;- Are there correlations between school type and default rate?</a:t>
+            </a:r>
+          </a:p>
+          <a:p>
+            <a:pPr marL="0" indent="0">
+              <a:buNone/>
+            </a:pPr>
+            <a:r>
+              <a:rPr lang="en-US" dirty="0">
+                <a:latin typeface="Arial" panose="020B0604020202020204" pitchFamily="34" charset="0"/>
+                <a:cs typeface="Arial" panose="020B0604020202020204" pitchFamily="34" charset="0"/>
+              </a:rPr>
+              <a:t>&lt;- Are there relationships between the geographic location of  institutions and the default rates?</a:t>
+            </a:r>
+          </a:p>
+          <a:p>
             <a:pPr lvl="2">
               <a:lnSpc>
                 <a:spcPct val="110000"/>
               </a:lnSpc>
               <a:buSzPct val="80000"/>
             </a:pPr>
-            <a:r>
-              <a:rPr lang="en-US" sz="2400" dirty="0">
-                <a:latin typeface="Arial" panose="020B0604020202020204" pitchFamily="34" charset="0"/>
-                <a:cs typeface="Arial" panose="020B0604020202020204" pitchFamily="34" charset="0"/>
-              </a:rPr>
-              <a:t>Influence of tuition cost and program length on default rate </a:t>
-            </a:r>
-          </a:p>
-          <a:p>
-            <a:pPr lvl="2">
-              <a:lnSpc>
-                <a:spcPct val="110000"/>
-              </a:lnSpc>
-              <a:buSzPct val="80000"/>
-            </a:pPr>
-            <a:r>
-              <a:rPr lang="en-US" sz="2400" dirty="0">
-                <a:latin typeface="Arial" panose="020B0604020202020204" pitchFamily="34" charset="0"/>
-                <a:cs typeface="Arial" panose="020B0604020202020204" pitchFamily="34" charset="0"/>
-              </a:rPr>
-              <a:t>Correlations between school type and default rate</a:t>
-            </a:r>
-          </a:p>
-          <a:p>
-            <a:pPr lvl="2">
-              <a:lnSpc>
-                <a:spcPct val="110000"/>
-              </a:lnSpc>
-              <a:buSzPct val="80000"/>
-            </a:pPr>
-            <a:r>
-              <a:rPr lang="en-US" sz="2400" dirty="0">
-                <a:latin typeface="Arial" panose="020B0604020202020204" pitchFamily="34" charset="0"/>
-                <a:cs typeface="Arial" panose="020B0604020202020204" pitchFamily="34" charset="0"/>
-              </a:rPr>
-              <a:t>What geographic areas have the highest and lowest default rates</a:t>
-            </a:r>
+            <a:endParaRPr lang="en-US" sz="2400" dirty="0">
+              <a:latin typeface="Arial" panose="020B0604020202020204" pitchFamily="34" charset="0"/>
+              <a:cs typeface="Arial" panose="020B0604020202020204" pitchFamily="34" charset="0"/>
+            </a:endParaRPr>
           </a:p>
           <a:p>
             <a:pPr lvl="2">
@@ -17512,6 +17608,40 @@
               <a:latin typeface="Arial" panose="020B0604020202020204" pitchFamily="34" charset="0"/>
               <a:cs typeface="Arial" panose="020B0604020202020204" pitchFamily="34" charset="0"/>
             </a:endParaRPr>
+          </a:p>
+        </p:txBody>
+      </p:sp>
+      <p:sp>
+        <p:nvSpPr>
+          <p:cNvPr id="4" name="Rectangle 3">
+            <a:extLst>
+              <a:ext uri="{FF2B5EF4-FFF2-40B4-BE49-F238E27FC236}">
+                <a16:creationId xmlns:a16="http://schemas.microsoft.com/office/drawing/2014/main" id="{294AEEBF-57DD-4611-8360-DE362892D190}"/>
+              </a:ext>
+            </a:extLst>
+          </p:cNvPr>
+          <p:cNvSpPr/>
+          <p:nvPr/>
+        </p:nvSpPr>
+        <p:spPr>
+          <a:xfrm>
+            <a:off x="834189" y="580998"/>
+            <a:ext cx="10764253" cy="569387"/>
+          </a:xfrm>
+          <a:prstGeom prst="rect">
+            <a:avLst/>
+          </a:prstGeom>
+        </p:spPr>
+        <p:txBody>
+          <a:bodyPr wrap="square">
+            <a:spAutoFit/>
+          </a:bodyPr>
+          <a:lstStyle/>
+          <a:p>
+            <a:r>
+              <a:rPr lang="en-US" sz="3100" dirty="0"/>
+              <a:t>PROJECT OVERVIEW</a:t>
+            </a:r>
           </a:p>
         </p:txBody>
       </p:sp>
@@ -17547,42 +17677,6 @@
       </p:grpSpPr>
       <p:sp>
         <p:nvSpPr>
-          <p:cNvPr id="2" name="Title 1">
-            <a:extLst>
-              <a:ext uri="{FF2B5EF4-FFF2-40B4-BE49-F238E27FC236}">
-                <a16:creationId xmlns:a16="http://schemas.microsoft.com/office/drawing/2014/main" id="{28AEEFA4-94C3-4462-8066-3F40D17C5CF9}"/>
-              </a:ext>
-            </a:extLst>
-          </p:cNvPr>
-          <p:cNvSpPr>
-            <a:spLocks noGrp="1"/>
-          </p:cNvSpPr>
-          <p:nvPr>
-            <p:ph type="title"/>
-          </p:nvPr>
-        </p:nvSpPr>
-        <p:spPr>
-          <a:xfrm>
-            <a:off x="1948069" y="130630"/>
-            <a:ext cx="8259621" cy="615820"/>
-          </a:xfrm>
-        </p:spPr>
-        <p:txBody>
-          <a:bodyPr>
-            <a:normAutofit/>
-          </a:bodyPr>
-          <a:lstStyle/>
-          <a:p>
-            <a:pPr algn="ctr"/>
-            <a:r>
-              <a:rPr lang="en-US" dirty="0"/>
-              <a:t>Data sources</a:t>
-            </a:r>
-          </a:p>
-        </p:txBody>
-      </p:sp>
-      <p:sp>
-        <p:nvSpPr>
           <p:cNvPr id="3" name="Content Placeholder 2">
             <a:extLst>
               <a:ext uri="{FF2B5EF4-FFF2-40B4-BE49-F238E27FC236}">
@@ -17599,13 +17693,13 @@
         </p:nvSpPr>
         <p:spPr>
           <a:xfrm>
-            <a:off x="1036773" y="746450"/>
-            <a:ext cx="10082211" cy="6111551"/>
+            <a:off x="1036773" y="1150385"/>
+            <a:ext cx="10082211" cy="5396720"/>
           </a:xfrm>
         </p:spPr>
         <p:txBody>
           <a:bodyPr>
-            <a:normAutofit fontScale="92500" lnSpcReduction="10000"/>
+            <a:normAutofit fontScale="85000" lnSpcReduction="20000"/>
           </a:bodyPr>
           <a:lstStyle/>
           <a:p>
@@ -17769,6 +17863,40 @@
           </a:p>
           <a:p>
             <a:endParaRPr lang="en-US" dirty="0"/>
+          </a:p>
+        </p:txBody>
+      </p:sp>
+      <p:sp>
+        <p:nvSpPr>
+          <p:cNvPr id="5" name="Rectangle 4">
+            <a:extLst>
+              <a:ext uri="{FF2B5EF4-FFF2-40B4-BE49-F238E27FC236}">
+                <a16:creationId xmlns:a16="http://schemas.microsoft.com/office/drawing/2014/main" id="{89CF820C-E674-4C5D-8C07-D8932433F5A7}"/>
+              </a:ext>
+            </a:extLst>
+          </p:cNvPr>
+          <p:cNvSpPr/>
+          <p:nvPr/>
+        </p:nvSpPr>
+        <p:spPr>
+          <a:xfrm>
+            <a:off x="834189" y="580998"/>
+            <a:ext cx="10764253" cy="569387"/>
+          </a:xfrm>
+          <a:prstGeom prst="rect">
+            <a:avLst/>
+          </a:prstGeom>
+        </p:spPr>
+        <p:txBody>
+          <a:bodyPr wrap="square">
+            <a:spAutoFit/>
+          </a:bodyPr>
+          <a:lstStyle/>
+          <a:p>
+            <a:r>
+              <a:rPr lang="en-US" sz="3100" dirty="0"/>
+              <a:t>DATA SOURCES</a:t>
+            </a:r>
           </a:p>
         </p:txBody>
       </p:sp>
@@ -17804,40 +17932,6 @@
       </p:grpSpPr>
       <p:sp>
         <p:nvSpPr>
-          <p:cNvPr id="2" name="Title 1">
-            <a:extLst>
-              <a:ext uri="{FF2B5EF4-FFF2-40B4-BE49-F238E27FC236}">
-                <a16:creationId xmlns:a16="http://schemas.microsoft.com/office/drawing/2014/main" id="{EBC03A22-2FAB-4E23-879E-9D04C14E1F20}"/>
-              </a:ext>
-            </a:extLst>
-          </p:cNvPr>
-          <p:cNvSpPr>
-            <a:spLocks noGrp="1"/>
-          </p:cNvSpPr>
-          <p:nvPr>
-            <p:ph type="title"/>
-          </p:nvPr>
-        </p:nvSpPr>
-        <p:spPr>
-          <a:xfrm>
-            <a:off x="2542477" y="128016"/>
-            <a:ext cx="7351331" cy="1225296"/>
-          </a:xfrm>
-        </p:spPr>
-        <p:txBody>
-          <a:bodyPr/>
-          <a:lstStyle/>
-          <a:p>
-            <a:pPr algn="ctr"/>
-            <a:r>
-              <a:rPr lang="en-US" dirty="0"/>
-              <a:t> initial Project challenges</a:t>
-            </a:r>
-          </a:p>
-        </p:txBody>
-      </p:sp>
-      <p:sp>
-        <p:nvSpPr>
           <p:cNvPr id="3" name="Content Placeholder 2">
             <a:extLst>
               <a:ext uri="{FF2B5EF4-FFF2-40B4-BE49-F238E27FC236}">
@@ -17900,6 +17994,40 @@
           </a:p>
           <a:p>
             <a:endParaRPr lang="en-US" dirty="0"/>
+          </a:p>
+        </p:txBody>
+      </p:sp>
+      <p:sp>
+        <p:nvSpPr>
+          <p:cNvPr id="4" name="Rectangle 3">
+            <a:extLst>
+              <a:ext uri="{FF2B5EF4-FFF2-40B4-BE49-F238E27FC236}">
+                <a16:creationId xmlns:a16="http://schemas.microsoft.com/office/drawing/2014/main" id="{D48AB944-30E6-44B1-8302-A24B821118D6}"/>
+              </a:ext>
+            </a:extLst>
+          </p:cNvPr>
+          <p:cNvSpPr/>
+          <p:nvPr/>
+        </p:nvSpPr>
+        <p:spPr>
+          <a:xfrm>
+            <a:off x="834189" y="580998"/>
+            <a:ext cx="10764253" cy="569387"/>
+          </a:xfrm>
+          <a:prstGeom prst="rect">
+            <a:avLst/>
+          </a:prstGeom>
+        </p:spPr>
+        <p:txBody>
+          <a:bodyPr wrap="square">
+            <a:spAutoFit/>
+          </a:bodyPr>
+          <a:lstStyle/>
+          <a:p>
+            <a:r>
+              <a:rPr lang="en-US" sz="3100" dirty="0"/>
+              <a:t>INITIAL PROJECT CHALLENGES</a:t>
+            </a:r>
           </a:p>
         </p:txBody>
       </p:sp>
@@ -17935,40 +18063,6 @@
       </p:grpSpPr>
       <p:sp>
         <p:nvSpPr>
-          <p:cNvPr id="2" name="Title 1">
-            <a:extLst>
-              <a:ext uri="{FF2B5EF4-FFF2-40B4-BE49-F238E27FC236}">
-                <a16:creationId xmlns:a16="http://schemas.microsoft.com/office/drawing/2014/main" id="{EBC03A22-2FAB-4E23-879E-9D04C14E1F20}"/>
-              </a:ext>
-            </a:extLst>
-          </p:cNvPr>
-          <p:cNvSpPr>
-            <a:spLocks noGrp="1"/>
-          </p:cNvSpPr>
-          <p:nvPr>
-            <p:ph type="title"/>
-          </p:nvPr>
-        </p:nvSpPr>
-        <p:spPr>
-          <a:xfrm>
-            <a:off x="1141413" y="292608"/>
-            <a:ext cx="9905998" cy="689525"/>
-          </a:xfrm>
-        </p:spPr>
-        <p:txBody>
-          <a:bodyPr/>
-          <a:lstStyle/>
-          <a:p>
-            <a:pPr algn="ctr"/>
-            <a:r>
-              <a:rPr lang="en-US" dirty="0"/>
-              <a:t>Importing and combining the data</a:t>
-            </a:r>
-          </a:p>
-        </p:txBody>
-      </p:sp>
-      <p:sp>
-        <p:nvSpPr>
           <p:cNvPr id="3" name="Content Placeholder 2">
             <a:extLst>
               <a:ext uri="{FF2B5EF4-FFF2-40B4-BE49-F238E27FC236}">
@@ -17985,8 +18079,8 @@
         </p:nvSpPr>
         <p:spPr>
           <a:xfrm>
-            <a:off x="1324292" y="1115568"/>
-            <a:ext cx="9905999" cy="5742432"/>
+            <a:off x="1324292" y="1481328"/>
+            <a:ext cx="9905999" cy="4937760"/>
           </a:xfrm>
         </p:spPr>
         <p:txBody>
@@ -17999,7 +18093,7 @@
               <a:buNone/>
             </a:pPr>
             <a:r>
-              <a:rPr lang="en-US" dirty="0">
+              <a:rPr lang="en-US" sz="2200" dirty="0">
                 <a:latin typeface="Arial" panose="020B0604020202020204" pitchFamily="34" charset="0"/>
                 <a:cs typeface="Arial" panose="020B0604020202020204" pitchFamily="34" charset="0"/>
               </a:rPr>
@@ -18009,7 +18103,7 @@
           <a:p>
             <a:pPr lvl="1"/>
             <a:r>
-              <a:rPr lang="en-US" sz="2400" dirty="0">
+              <a:rPr lang="en-US" sz="2200" dirty="0">
                 <a:latin typeface="Arial" panose="020B0604020202020204" pitchFamily="34" charset="0"/>
                 <a:cs typeface="Arial" panose="020B0604020202020204" pitchFamily="34" charset="0"/>
               </a:rPr>
@@ -18019,7 +18113,7 @@
           <a:p>
             <a:pPr lvl="1"/>
             <a:r>
-              <a:rPr lang="en-US" sz="2400" dirty="0">
+              <a:rPr lang="en-US" sz="2200" dirty="0">
                 <a:latin typeface="Arial" panose="020B0604020202020204" pitchFamily="34" charset="0"/>
                 <a:cs typeface="Arial" panose="020B0604020202020204" pitchFamily="34" charset="0"/>
               </a:rPr>
@@ -18029,7 +18123,7 @@
           <a:p>
             <a:pPr lvl="1"/>
             <a:r>
-              <a:rPr lang="en-US" sz="2400" dirty="0">
+              <a:rPr lang="en-US" sz="2200" dirty="0">
                 <a:latin typeface="Arial" panose="020B0604020202020204" pitchFamily="34" charset="0"/>
                 <a:cs typeface="Arial" panose="020B0604020202020204" pitchFamily="34" charset="0"/>
               </a:rPr>
@@ -18041,7 +18135,7 @@
               <a:buNone/>
             </a:pPr>
             <a:r>
-              <a:rPr lang="en-US" dirty="0">
+              <a:rPr lang="en-US" sz="2200" dirty="0">
                 <a:latin typeface="Arial" panose="020B0604020202020204" pitchFamily="34" charset="0"/>
                 <a:cs typeface="Arial" panose="020B0604020202020204" pitchFamily="34" charset="0"/>
               </a:rPr>
@@ -18051,7 +18145,7 @@
           <a:p>
             <a:pPr lvl="1"/>
             <a:r>
-              <a:rPr lang="en-US" sz="2400" dirty="0">
+              <a:rPr lang="en-US" sz="2200" dirty="0">
                 <a:latin typeface="Arial" panose="020B0604020202020204" pitchFamily="34" charset="0"/>
                 <a:cs typeface="Arial" panose="020B0604020202020204" pitchFamily="34" charset="0"/>
               </a:rPr>
@@ -18061,21 +18155,21 @@
           <a:p>
             <a:pPr lvl="1"/>
             <a:r>
-              <a:rPr lang="en-US" sz="2400" dirty="0">
+              <a:rPr lang="en-US" sz="2200" dirty="0">
                 <a:latin typeface="Arial" panose="020B0604020202020204" pitchFamily="34" charset="0"/>
                 <a:cs typeface="Arial" panose="020B0604020202020204" pitchFamily="34" charset="0"/>
               </a:rPr>
               <a:t>Solution – </a:t>
             </a:r>
             <a:r>
-              <a:rPr lang="en-US" sz="2400" dirty="0" err="1">
+              <a:rPr lang="en-US" sz="2200" dirty="0" err="1">
                 <a:latin typeface="Arial" panose="020B0604020202020204" pitchFamily="34" charset="0"/>
                 <a:cs typeface="Arial" panose="020B0604020202020204" pitchFamily="34" charset="0"/>
               </a:rPr>
               <a:t>openxlsx</a:t>
             </a:r>
             <a:r>
-              <a:rPr lang="en-US" sz="2400" dirty="0">
+              <a:rPr lang="en-US" sz="2200" dirty="0">
                 <a:latin typeface="Arial" panose="020B0604020202020204" pitchFamily="34" charset="0"/>
                 <a:cs typeface="Arial" panose="020B0604020202020204" pitchFamily="34" charset="0"/>
               </a:rPr>
@@ -18085,25 +18179,59 @@
           <a:p>
             <a:pPr lvl="1"/>
             <a:r>
-              <a:rPr lang="en-US" sz="2400" dirty="0">
+              <a:rPr lang="en-US" sz="2200" dirty="0">
                 <a:latin typeface="Arial" panose="020B0604020202020204" pitchFamily="34" charset="0"/>
                 <a:cs typeface="Arial" panose="020B0604020202020204" pitchFamily="34" charset="0"/>
               </a:rPr>
               <a:t>read.xlsx("IPEDS full dataset.xlsx", sheet = 2, </a:t>
             </a:r>
             <a:r>
-              <a:rPr lang="en-US" sz="2400" dirty="0" err="1">
+              <a:rPr lang="en-US" sz="2200" dirty="0" err="1">
                 <a:latin typeface="Arial" panose="020B0604020202020204" pitchFamily="34" charset="0"/>
                 <a:cs typeface="Arial" panose="020B0604020202020204" pitchFamily="34" charset="0"/>
               </a:rPr>
               <a:t>na.strings</a:t>
             </a:r>
             <a:r>
-              <a:rPr lang="en-US" sz="2400" dirty="0">
+              <a:rPr lang="en-US" sz="2200" dirty="0">
                 <a:latin typeface="Arial" panose="020B0604020202020204" pitchFamily="34" charset="0"/>
                 <a:cs typeface="Arial" panose="020B0604020202020204" pitchFamily="34" charset="0"/>
               </a:rPr>
               <a:t>=c("", "."))</a:t>
+            </a:r>
+          </a:p>
+        </p:txBody>
+      </p:sp>
+      <p:sp>
+        <p:nvSpPr>
+          <p:cNvPr id="4" name="Rectangle 3">
+            <a:extLst>
+              <a:ext uri="{FF2B5EF4-FFF2-40B4-BE49-F238E27FC236}">
+                <a16:creationId xmlns:a16="http://schemas.microsoft.com/office/drawing/2014/main" id="{286DAE82-49E0-4B01-92DD-E2B3F878BB0E}"/>
+              </a:ext>
+            </a:extLst>
+          </p:cNvPr>
+          <p:cNvSpPr/>
+          <p:nvPr/>
+        </p:nvSpPr>
+        <p:spPr>
+          <a:xfrm>
+            <a:off x="834189" y="580998"/>
+            <a:ext cx="10764253" cy="569387"/>
+          </a:xfrm>
+          <a:prstGeom prst="rect">
+            <a:avLst/>
+          </a:prstGeom>
+        </p:spPr>
+        <p:txBody>
+          <a:bodyPr wrap="square">
+            <a:spAutoFit/>
+          </a:bodyPr>
+          <a:lstStyle/>
+          <a:p>
+            <a:r>
+              <a:rPr lang="en-US" sz="3100" dirty="0"/>
+              <a:t>IMPORTING AND COMBINING DATA</a:t>
             </a:r>
           </a:p>
         </p:txBody>
@@ -18140,40 +18268,6 @@
       </p:grpSpPr>
       <p:sp>
         <p:nvSpPr>
-          <p:cNvPr id="2" name="Title 1">
-            <a:extLst>
-              <a:ext uri="{FF2B5EF4-FFF2-40B4-BE49-F238E27FC236}">
-                <a16:creationId xmlns:a16="http://schemas.microsoft.com/office/drawing/2014/main" id="{EBC03A22-2FAB-4E23-879E-9D04C14E1F20}"/>
-              </a:ext>
-            </a:extLst>
-          </p:cNvPr>
-          <p:cNvSpPr>
-            <a:spLocks noGrp="1"/>
-          </p:cNvSpPr>
-          <p:nvPr>
-            <p:ph type="title"/>
-          </p:nvPr>
-        </p:nvSpPr>
-        <p:spPr>
-          <a:xfrm>
-            <a:off x="1141413" y="321732"/>
-            <a:ext cx="9905998" cy="629243"/>
-          </a:xfrm>
-        </p:spPr>
-        <p:txBody>
-          <a:bodyPr/>
-          <a:lstStyle/>
-          <a:p>
-            <a:pPr algn="ctr"/>
-            <a:r>
-              <a:rPr lang="en-US" dirty="0"/>
-              <a:t>Importing and combining the data</a:t>
-            </a:r>
-          </a:p>
-        </p:txBody>
-      </p:sp>
-      <p:sp>
-        <p:nvSpPr>
           <p:cNvPr id="3" name="Content Placeholder 2">
             <a:extLst>
               <a:ext uri="{FF2B5EF4-FFF2-40B4-BE49-F238E27FC236}">
@@ -18405,11 +18499,48 @@
           <a:p>
             <a:pPr lvl="1"/>
             <a:r>
-              <a:rPr lang="en-US" sz="2600" dirty="0">
+              <a:rPr lang="en-US" sz="2600" b="1" dirty="0">
+                <a:solidFill>
+                  <a:srgbClr val="FFFF00"/>
+                </a:solidFill>
                 <a:latin typeface="Arial" panose="020B0604020202020204" pitchFamily="34" charset="0"/>
                 <a:cs typeface="Arial" panose="020B0604020202020204" pitchFamily="34" charset="0"/>
               </a:rPr>
               <a:t>8 total joins to combine all NCE Data</a:t>
+            </a:r>
+          </a:p>
+        </p:txBody>
+      </p:sp>
+      <p:sp>
+        <p:nvSpPr>
+          <p:cNvPr id="4" name="Rectangle 3">
+            <a:extLst>
+              <a:ext uri="{FF2B5EF4-FFF2-40B4-BE49-F238E27FC236}">
+                <a16:creationId xmlns:a16="http://schemas.microsoft.com/office/drawing/2014/main" id="{4C90460A-17F8-42B2-B277-92CA8C23CAB4}"/>
+              </a:ext>
+            </a:extLst>
+          </p:cNvPr>
+          <p:cNvSpPr/>
+          <p:nvPr/>
+        </p:nvSpPr>
+        <p:spPr>
+          <a:xfrm>
+            <a:off x="834189" y="580998"/>
+            <a:ext cx="10764253" cy="569387"/>
+          </a:xfrm>
+          <a:prstGeom prst="rect">
+            <a:avLst/>
+          </a:prstGeom>
+        </p:spPr>
+        <p:txBody>
+          <a:bodyPr wrap="square">
+            <a:spAutoFit/>
+          </a:bodyPr>
+          <a:lstStyle/>
+          <a:p>
+            <a:r>
+              <a:rPr lang="en-US" sz="3100" dirty="0"/>
+              <a:t>IMPORTING AND COMBINING DATA</a:t>
             </a:r>
           </a:p>
         </p:txBody>
@@ -18444,44 +18575,6 @@
           <a:chExt cx="0" cy="0"/>
         </a:xfrm>
       </p:grpSpPr>
-      <p:sp>
-        <p:nvSpPr>
-          <p:cNvPr id="2" name="Title 1">
-            <a:extLst>
-              <a:ext uri="{FF2B5EF4-FFF2-40B4-BE49-F238E27FC236}">
-                <a16:creationId xmlns:a16="http://schemas.microsoft.com/office/drawing/2014/main" id="{31D684FE-EED8-4C27-91BA-85E61A2C1F8A}"/>
-              </a:ext>
-            </a:extLst>
-          </p:cNvPr>
-          <p:cNvSpPr>
-            <a:spLocks noGrp="1"/>
-          </p:cNvSpPr>
-          <p:nvPr>
-            <p:ph type="title"/>
-          </p:nvPr>
-        </p:nvSpPr>
-        <p:spPr>
-          <a:xfrm>
-            <a:off x="1141410" y="237744"/>
-            <a:ext cx="9905998" cy="786384"/>
-          </a:xfrm>
-        </p:spPr>
-        <p:txBody>
-          <a:bodyPr>
-            <a:normAutofit/>
-          </a:bodyPr>
-          <a:lstStyle/>
-          <a:p>
-            <a:pPr algn="ctr"/>
-            <a:r>
-              <a:rPr lang="en-US" dirty="0">
-                <a:cs typeface="Arial" panose="020B0604020202020204" pitchFamily="34" charset="0"/>
-              </a:rPr>
-              <a:t>Cleaning the data</a:t>
-            </a:r>
-          </a:p>
-        </p:txBody>
-      </p:sp>
       <p:graphicFrame>
         <p:nvGraphicFramePr>
           <p:cNvPr id="4" name="Content Placeholder 3"/>
@@ -18909,7 +19002,7 @@
         </p:nvSpPr>
         <p:spPr>
           <a:xfrm>
-            <a:off x="1141409" y="1112342"/>
+            <a:off x="1141409" y="1222070"/>
             <a:ext cx="9905997" cy="461665"/>
           </a:xfrm>
           <a:prstGeom prst="rect">
@@ -19027,6 +19120,40 @@
               <a:buChar char="•"/>
             </a:pPr>
             <a:endParaRPr lang="en-US" sz="2400" dirty="0"/>
+          </a:p>
+        </p:txBody>
+      </p:sp>
+      <p:sp>
+        <p:nvSpPr>
+          <p:cNvPr id="8" name="Rectangle 7">
+            <a:extLst>
+              <a:ext uri="{FF2B5EF4-FFF2-40B4-BE49-F238E27FC236}">
+                <a16:creationId xmlns:a16="http://schemas.microsoft.com/office/drawing/2014/main" id="{CF1AB401-82B2-4F11-9B48-887BF8713A88}"/>
+              </a:ext>
+            </a:extLst>
+          </p:cNvPr>
+          <p:cNvSpPr/>
+          <p:nvPr/>
+        </p:nvSpPr>
+        <p:spPr>
+          <a:xfrm>
+            <a:off x="834189" y="580998"/>
+            <a:ext cx="10764253" cy="569387"/>
+          </a:xfrm>
+          <a:prstGeom prst="rect">
+            <a:avLst/>
+          </a:prstGeom>
+        </p:spPr>
+        <p:txBody>
+          <a:bodyPr wrap="square">
+            <a:spAutoFit/>
+          </a:bodyPr>
+          <a:lstStyle/>
+          <a:p>
+            <a:r>
+              <a:rPr lang="en-US" sz="3100" dirty="0"/>
+              <a:t>CLEANING THE DATA</a:t>
+            </a:r>
           </a:p>
         </p:txBody>
       </p:sp>
@@ -19142,7 +19269,7 @@
                 <a:latin typeface="Arial" panose="020B0604020202020204" pitchFamily="34" charset="0"/>
                 <a:cs typeface="Arial" panose="020B0604020202020204" pitchFamily="34" charset="0"/>
               </a:rPr>
-              <a:t>Question &lt;- Is there a correlation between the default rate based on cost of tuition?</a:t>
+              <a:t>QUESTION &lt;- Is there a correlation between the default rate based on cost of tuition?</a:t>
             </a:r>
           </a:p>
           <a:p>
@@ -19157,7 +19284,7 @@
                 <a:latin typeface="Arial" panose="020B0604020202020204" pitchFamily="34" charset="0"/>
                 <a:cs typeface="Arial" panose="020B0604020202020204" pitchFamily="34" charset="0"/>
               </a:rPr>
-              <a:t>Goal &lt;-  Perform written and visual analysis to determine if  a relationship exists</a:t>
+              <a:t>GOAL &lt;-  Perform written and visual analysis to determine if  a relationship exists</a:t>
             </a:r>
           </a:p>
           <a:p>
@@ -19178,8 +19305,8 @@
         </p:nvSpPr>
         <p:spPr>
           <a:xfrm>
-            <a:off x="898358" y="580998"/>
-            <a:ext cx="10218822" cy="569387"/>
+            <a:off x="834189" y="580998"/>
+            <a:ext cx="10764253" cy="569387"/>
           </a:xfrm>
           <a:prstGeom prst="rect">
             <a:avLst/>
@@ -19193,7 +19320,7 @@
           <a:p>
             <a:r>
               <a:rPr lang="en-US" sz="3100" dirty="0"/>
-              <a:t>Analysis 1 –Default Rate by Tuition and Program Length</a:t>
+              <a:t>ANALYSIS 1 – DEFAULT RATE BY TUITION AND PROGRAM LENGTH</a:t>
             </a:r>
           </a:p>
         </p:txBody>
@@ -19288,7 +19415,7 @@
         </p:blipFill>
         <p:spPr>
           <a:xfrm>
-            <a:off x="215153" y="1990164"/>
+            <a:off x="197622" y="2391217"/>
             <a:ext cx="5810147" cy="3873431"/>
           </a:xfrm>
           <a:prstGeom prst="rect">
@@ -19318,7 +19445,7 @@
         </p:blipFill>
         <p:spPr>
           <a:xfrm>
-            <a:off x="6121875" y="1972235"/>
+            <a:off x="6124036" y="2391217"/>
             <a:ext cx="5783254" cy="3855503"/>
           </a:xfrm>
           <a:prstGeom prst="rect">
@@ -19340,8 +19467,8 @@
         </p:nvSpPr>
         <p:spPr>
           <a:xfrm>
-            <a:off x="914400" y="737937"/>
-            <a:ext cx="4347411" cy="1200329"/>
+            <a:off x="928989" y="1391015"/>
+            <a:ext cx="4347411" cy="707886"/>
           </a:xfrm>
           <a:prstGeom prst="rect">
             <a:avLst/>
@@ -19356,21 +19483,11 @@
           <a:p>
             <a:pPr algn="ctr"/>
             <a:r>
-              <a:rPr lang="en-US" sz="2400" dirty="0">
+              <a:rPr lang="en-US" sz="2000" dirty="0">
                 <a:latin typeface="Arial" panose="020B0604020202020204" pitchFamily="34" charset="0"/>
                 <a:cs typeface="Arial" panose="020B0604020202020204" pitchFamily="34" charset="0"/>
               </a:rPr>
-              <a:t>Density Plot – Number of Students in Default </a:t>
-            </a:r>
-          </a:p>
-          <a:p>
-            <a:pPr algn="ctr"/>
-            <a:r>
-              <a:rPr lang="en-US" sz="2400" dirty="0">
-                <a:latin typeface="Arial" panose="020B0604020202020204" pitchFamily="34" charset="0"/>
-                <a:cs typeface="Arial" panose="020B0604020202020204" pitchFamily="34" charset="0"/>
-              </a:rPr>
-              <a:t>on Cost of Tuition</a:t>
+              <a:t>Density Plot – Number of Students in Default on Cost of Tuition</a:t>
             </a:r>
           </a:p>
         </p:txBody>
@@ -19389,8 +19506,8 @@
         </p:nvSpPr>
         <p:spPr>
           <a:xfrm>
-            <a:off x="6657474" y="802106"/>
-            <a:ext cx="4716379" cy="1200329"/>
+            <a:off x="6657473" y="1391015"/>
+            <a:ext cx="4716379" cy="707886"/>
           </a:xfrm>
           <a:prstGeom prst="rect">
             <a:avLst/>
@@ -19405,21 +19522,45 @@
           <a:p>
             <a:pPr algn="ctr"/>
             <a:r>
-              <a:rPr lang="en-US" sz="2400" dirty="0">
+              <a:rPr lang="en-US" sz="2000" dirty="0">
                 <a:latin typeface="Arial" panose="020B0604020202020204" pitchFamily="34" charset="0"/>
                 <a:cs typeface="Arial" panose="020B0604020202020204" pitchFamily="34" charset="0"/>
               </a:rPr>
-              <a:t>Scatter Plot – Default Rate (%) on Cost of Tuition </a:t>
-            </a:r>
-          </a:p>
-          <a:p>
-            <a:pPr algn="ctr"/>
-            <a:r>
-              <a:rPr lang="en-US" sz="2400" dirty="0">
-                <a:latin typeface="Arial" panose="020B0604020202020204" pitchFamily="34" charset="0"/>
-                <a:cs typeface="Arial" panose="020B0604020202020204" pitchFamily="34" charset="0"/>
-              </a:rPr>
-              <a:t>by Program Length</a:t>
+              <a:t>Scatter Plot – Default Rate (%) on Cost of Tuition by Program Length</a:t>
+            </a:r>
+          </a:p>
+        </p:txBody>
+      </p:sp>
+      <p:sp>
+        <p:nvSpPr>
+          <p:cNvPr id="9" name="Rectangle 8">
+            <a:extLst>
+              <a:ext uri="{FF2B5EF4-FFF2-40B4-BE49-F238E27FC236}">
+                <a16:creationId xmlns:a16="http://schemas.microsoft.com/office/drawing/2014/main" id="{F4093CF0-E103-473F-8A89-C893DFD57F97}"/>
+              </a:ext>
+            </a:extLst>
+          </p:cNvPr>
+          <p:cNvSpPr/>
+          <p:nvPr/>
+        </p:nvSpPr>
+        <p:spPr>
+          <a:xfrm>
+            <a:off x="834189" y="580998"/>
+            <a:ext cx="10764253" cy="569387"/>
+          </a:xfrm>
+          <a:prstGeom prst="rect">
+            <a:avLst/>
+          </a:prstGeom>
+        </p:spPr>
+        <p:txBody>
+          <a:bodyPr wrap="square">
+            <a:spAutoFit/>
+          </a:bodyPr>
+          <a:lstStyle/>
+          <a:p>
+            <a:r>
+              <a:rPr lang="en-US" sz="3100" dirty="0"/>
+              <a:t>ANALYSIS 1 – DEFAULT RATE BY TUITION AND PROGRAM LENGTH</a:t>
             </a:r>
           </a:p>
         </p:txBody>

--- a/Default Data Group Project - final version.pptx
+++ b/Default Data Group Project - final version.pptx
@@ -217,7 +217,7 @@
           <a:p>
             <a:fld id="{41D4C394-24E9-44CB-9C33-02F5B265D3A1}" type="datetimeFigureOut">
               <a:rPr lang="en-US" smtClean="0"/>
-              <a:t>11/4/2017</a:t>
+              <a:t>11/5/2017</a:t>
             </a:fld>
             <a:endParaRPr lang="en-US"/>
           </a:p>
@@ -2612,7 +2612,7 @@
           <a:noFill/>
           <a:extLst>
             <a:ext uri="{909E8E84-426E-40dd-AFC4-6F175D3DCCD1}">
-              <a14:hiddenFill xmlns="" xmlns:a14="http://schemas.microsoft.com/office/drawing/2010/main">
+              <a14:hiddenFill xmlns:a14="http://schemas.microsoft.com/office/drawing/2010/main" xmlns="">
                 <a:solidFill>
                   <a:srgbClr val="FFFFFF"/>
                 </a:solidFill>
@@ -2671,7 +2671,7 @@
             </a:ln>
             <a:extLst>
               <a:ext uri="{91240B29-F687-4f45-9708-019B960494DF}">
-                <a14:hiddenLine xmlns="" xmlns:a14="http://schemas.microsoft.com/office/drawing/2010/main" w="9525">
+                <a14:hiddenLine xmlns:a14="http://schemas.microsoft.com/office/drawing/2010/main" xmlns="" w="9525">
                   <a:solidFill>
                     <a:srgbClr val="000000"/>
                   </a:solidFill>
@@ -2761,7 +2761,7 @@
             </a:ln>
             <a:extLst>
               <a:ext uri="{91240B29-F687-4f45-9708-019B960494DF}">
-                <a14:hiddenLine xmlns="" xmlns:a14="http://schemas.microsoft.com/office/drawing/2010/main" w="9525">
+                <a14:hiddenLine xmlns:a14="http://schemas.microsoft.com/office/drawing/2010/main" xmlns="" w="9525">
                   <a:solidFill>
                     <a:srgbClr val="000000"/>
                   </a:solidFill>
@@ -2851,7 +2851,7 @@
             </a:ln>
             <a:extLst>
               <a:ext uri="{91240B29-F687-4f45-9708-019B960494DF}">
-                <a14:hiddenLine xmlns="" xmlns:a14="http://schemas.microsoft.com/office/drawing/2010/main" w="9525">
+                <a14:hiddenLine xmlns:a14="http://schemas.microsoft.com/office/drawing/2010/main" xmlns="" w="9525">
                   <a:solidFill>
                     <a:srgbClr val="000000"/>
                   </a:solidFill>
@@ -2885,7 +2885,7 @@
             </a:ln>
             <a:extLst>
               <a:ext uri="{91240B29-F687-4f45-9708-019B960494DF}">
-                <a14:hiddenLine xmlns="" xmlns:a14="http://schemas.microsoft.com/office/drawing/2010/main" w="9525">
+                <a14:hiddenLine xmlns:a14="http://schemas.microsoft.com/office/drawing/2010/main" xmlns="" w="9525">
                   <a:solidFill>
                     <a:srgbClr val="000000"/>
                   </a:solidFill>
@@ -2975,7 +2975,7 @@
             </a:ln>
             <a:extLst>
               <a:ext uri="{91240B29-F687-4f45-9708-019B960494DF}">
-                <a14:hiddenLine xmlns="" xmlns:a14="http://schemas.microsoft.com/office/drawing/2010/main" w="9525">
+                <a14:hiddenLine xmlns:a14="http://schemas.microsoft.com/office/drawing/2010/main" xmlns="" w="9525">
                   <a:solidFill>
                     <a:srgbClr val="000000"/>
                   </a:solidFill>
@@ -3037,7 +3037,7 @@
             </a:ln>
             <a:extLst>
               <a:ext uri="{91240B29-F687-4f45-9708-019B960494DF}">
-                <a14:hiddenLine xmlns="" xmlns:a14="http://schemas.microsoft.com/office/drawing/2010/main" w="9525">
+                <a14:hiddenLine xmlns:a14="http://schemas.microsoft.com/office/drawing/2010/main" xmlns="" w="9525">
                   <a:solidFill>
                     <a:srgbClr val="000000"/>
                   </a:solidFill>
@@ -3099,7 +3099,7 @@
             </a:ln>
             <a:extLst>
               <a:ext uri="{91240B29-F687-4f45-9708-019B960494DF}">
-                <a14:hiddenLine xmlns="" xmlns:a14="http://schemas.microsoft.com/office/drawing/2010/main" w="9525">
+                <a14:hiddenLine xmlns:a14="http://schemas.microsoft.com/office/drawing/2010/main" xmlns="" w="9525">
                   <a:solidFill>
                     <a:srgbClr val="000000"/>
                   </a:solidFill>
@@ -3189,7 +3189,7 @@
             </a:ln>
             <a:extLst>
               <a:ext uri="{91240B29-F687-4f45-9708-019B960494DF}">
-                <a14:hiddenLine xmlns="" xmlns:a14="http://schemas.microsoft.com/office/drawing/2010/main" w="9525">
+                <a14:hiddenLine xmlns:a14="http://schemas.microsoft.com/office/drawing/2010/main" xmlns="" w="9525">
                   <a:solidFill>
                     <a:srgbClr val="000000"/>
                   </a:solidFill>
@@ -3251,7 +3251,7 @@
             </a:ln>
             <a:extLst>
               <a:ext uri="{91240B29-F687-4f45-9708-019B960494DF}">
-                <a14:hiddenLine xmlns="" xmlns:a14="http://schemas.microsoft.com/office/drawing/2010/main" w="9525">
+                <a14:hiddenLine xmlns:a14="http://schemas.microsoft.com/office/drawing/2010/main" xmlns="" w="9525">
                   <a:solidFill>
                     <a:srgbClr val="000000"/>
                   </a:solidFill>
@@ -3313,7 +3313,7 @@
             </a:ln>
             <a:extLst>
               <a:ext uri="{91240B29-F687-4f45-9708-019B960494DF}">
-                <a14:hiddenLine xmlns="" xmlns:a14="http://schemas.microsoft.com/office/drawing/2010/main" w="9525">
+                <a14:hiddenLine xmlns:a14="http://schemas.microsoft.com/office/drawing/2010/main" xmlns="" w="9525">
                   <a:solidFill>
                     <a:srgbClr val="000000"/>
                   </a:solidFill>
@@ -3403,7 +3403,7 @@
             </a:ln>
             <a:extLst>
               <a:ext uri="{91240B29-F687-4f45-9708-019B960494DF}">
-                <a14:hiddenLine xmlns="" xmlns:a14="http://schemas.microsoft.com/office/drawing/2010/main" w="9525">
+                <a14:hiddenLine xmlns:a14="http://schemas.microsoft.com/office/drawing/2010/main" xmlns="" w="9525">
                   <a:solidFill>
                     <a:srgbClr val="000000"/>
                   </a:solidFill>
@@ -3493,7 +3493,7 @@
             </a:ln>
             <a:extLst>
               <a:ext uri="{91240B29-F687-4f45-9708-019B960494DF}">
-                <a14:hiddenLine xmlns="" xmlns:a14="http://schemas.microsoft.com/office/drawing/2010/main" w="9525">
+                <a14:hiddenLine xmlns:a14="http://schemas.microsoft.com/office/drawing/2010/main" xmlns="" w="9525">
                   <a:solidFill>
                     <a:srgbClr val="000000"/>
                   </a:solidFill>
@@ -3555,7 +3555,7 @@
             </a:ln>
             <a:extLst>
               <a:ext uri="{91240B29-F687-4f45-9708-019B960494DF}">
-                <a14:hiddenLine xmlns="" xmlns:a14="http://schemas.microsoft.com/office/drawing/2010/main" w="9525">
+                <a14:hiddenLine xmlns:a14="http://schemas.microsoft.com/office/drawing/2010/main" xmlns="" w="9525">
                   <a:solidFill>
                     <a:srgbClr val="000000"/>
                   </a:solidFill>
@@ -3665,7 +3665,7 @@
             </a:ln>
             <a:extLst>
               <a:ext uri="{91240B29-F687-4f45-9708-019B960494DF}">
-                <a14:hiddenLine xmlns="" xmlns:a14="http://schemas.microsoft.com/office/drawing/2010/main" w="9525">
+                <a14:hiddenLine xmlns:a14="http://schemas.microsoft.com/office/drawing/2010/main" xmlns="" w="9525">
                   <a:solidFill>
                     <a:srgbClr val="000000"/>
                   </a:solidFill>
@@ -3727,7 +3727,7 @@
             </a:ln>
             <a:extLst>
               <a:ext uri="{91240B29-F687-4f45-9708-019B960494DF}">
-                <a14:hiddenLine xmlns="" xmlns:a14="http://schemas.microsoft.com/office/drawing/2010/main" w="9525">
+                <a14:hiddenLine xmlns:a14="http://schemas.microsoft.com/office/drawing/2010/main" xmlns="" w="9525">
                   <a:solidFill>
                     <a:srgbClr val="000000"/>
                   </a:solidFill>
@@ -3817,7 +3817,7 @@
             </a:ln>
             <a:extLst>
               <a:ext uri="{91240B29-F687-4f45-9708-019B960494DF}">
-                <a14:hiddenLine xmlns="" xmlns:a14="http://schemas.microsoft.com/office/drawing/2010/main" w="9525">
+                <a14:hiddenLine xmlns:a14="http://schemas.microsoft.com/office/drawing/2010/main" xmlns="" w="9525">
                   <a:solidFill>
                     <a:srgbClr val="000000"/>
                   </a:solidFill>
@@ -3907,7 +3907,7 @@
             </a:ln>
             <a:extLst>
               <a:ext uri="{91240B29-F687-4f45-9708-019B960494DF}">
-                <a14:hiddenLine xmlns="" xmlns:a14="http://schemas.microsoft.com/office/drawing/2010/main" w="9525">
+                <a14:hiddenLine xmlns:a14="http://schemas.microsoft.com/office/drawing/2010/main" xmlns="" w="9525">
                   <a:solidFill>
                     <a:srgbClr val="000000"/>
                   </a:solidFill>
@@ -3969,7 +3969,7 @@
             </a:ln>
             <a:extLst>
               <a:ext uri="{91240B29-F687-4f45-9708-019B960494DF}">
-                <a14:hiddenLine xmlns="" xmlns:a14="http://schemas.microsoft.com/office/drawing/2010/main" w="9525">
+                <a14:hiddenLine xmlns:a14="http://schemas.microsoft.com/office/drawing/2010/main" xmlns="" w="9525">
                   <a:solidFill>
                     <a:srgbClr val="000000"/>
                   </a:solidFill>
@@ -4059,7 +4059,7 @@
             </a:ln>
             <a:extLst>
               <a:ext uri="{91240B29-F687-4f45-9708-019B960494DF}">
-                <a14:hiddenLine xmlns="" xmlns:a14="http://schemas.microsoft.com/office/drawing/2010/main" w="9525">
+                <a14:hiddenLine xmlns:a14="http://schemas.microsoft.com/office/drawing/2010/main" xmlns="" w="9525">
                   <a:solidFill>
                     <a:srgbClr val="000000"/>
                   </a:solidFill>
@@ -4149,7 +4149,7 @@
             </a:ln>
             <a:extLst>
               <a:ext uri="{91240B29-F687-4f45-9708-019B960494DF}">
-                <a14:hiddenLine xmlns="" xmlns:a14="http://schemas.microsoft.com/office/drawing/2010/main" w="9525">
+                <a14:hiddenLine xmlns:a14="http://schemas.microsoft.com/office/drawing/2010/main" xmlns="" w="9525">
                   <a:solidFill>
                     <a:srgbClr val="000000"/>
                   </a:solidFill>
@@ -4205,7 +4205,7 @@
             </a:ln>
             <a:extLst>
               <a:ext uri="{91240B29-F687-4f45-9708-019B960494DF}">
-                <a14:hiddenLine xmlns="" xmlns:a14="http://schemas.microsoft.com/office/drawing/2010/main" w="9525">
+                <a14:hiddenLine xmlns:a14="http://schemas.microsoft.com/office/drawing/2010/main" xmlns="" w="9525">
                   <a:solidFill>
                     <a:srgbClr val="000000"/>
                   </a:solidFill>
@@ -4295,7 +4295,7 @@
             </a:ln>
             <a:extLst>
               <a:ext uri="{91240B29-F687-4f45-9708-019B960494DF}">
-                <a14:hiddenLine xmlns="" xmlns:a14="http://schemas.microsoft.com/office/drawing/2010/main" w="9525">
+                <a14:hiddenLine xmlns:a14="http://schemas.microsoft.com/office/drawing/2010/main" xmlns="" w="9525">
                   <a:solidFill>
                     <a:srgbClr val="000000"/>
                   </a:solidFill>
@@ -4351,7 +4351,7 @@
             </a:ln>
             <a:extLst>
               <a:ext uri="{91240B29-F687-4f45-9708-019B960494DF}">
-                <a14:hiddenLine xmlns="" xmlns:a14="http://schemas.microsoft.com/office/drawing/2010/main" w="9525">
+                <a14:hiddenLine xmlns:a14="http://schemas.microsoft.com/office/drawing/2010/main" xmlns="" w="9525">
                   <a:solidFill>
                     <a:srgbClr val="000000"/>
                   </a:solidFill>
@@ -4441,7 +4441,7 @@
             </a:ln>
             <a:extLst>
               <a:ext uri="{91240B29-F687-4f45-9708-019B960494DF}">
-                <a14:hiddenLine xmlns="" xmlns:a14="http://schemas.microsoft.com/office/drawing/2010/main" w="9525">
+                <a14:hiddenLine xmlns:a14="http://schemas.microsoft.com/office/drawing/2010/main" xmlns="" w="9525">
                   <a:solidFill>
                     <a:srgbClr val="000000"/>
                   </a:solidFill>
@@ -4509,7 +4509,7 @@
             </a:ln>
             <a:extLst>
               <a:ext uri="{91240B29-F687-4f45-9708-019B960494DF}">
-                <a14:hiddenLine xmlns="" xmlns:a14="http://schemas.microsoft.com/office/drawing/2010/main" w="9525">
+                <a14:hiddenLine xmlns:a14="http://schemas.microsoft.com/office/drawing/2010/main" xmlns="" w="9525">
                   <a:solidFill>
                     <a:srgbClr val="000000"/>
                   </a:solidFill>
@@ -4599,7 +4599,7 @@
             </a:ln>
             <a:extLst>
               <a:ext uri="{91240B29-F687-4f45-9708-019B960494DF}">
-                <a14:hiddenLine xmlns="" xmlns:a14="http://schemas.microsoft.com/office/drawing/2010/main" w="9525">
+                <a14:hiddenLine xmlns:a14="http://schemas.microsoft.com/office/drawing/2010/main" xmlns="" w="9525">
                   <a:solidFill>
                     <a:srgbClr val="000000"/>
                   </a:solidFill>
@@ -4667,7 +4667,7 @@
             </a:ln>
             <a:extLst>
               <a:ext uri="{91240B29-F687-4f45-9708-019B960494DF}">
-                <a14:hiddenLine xmlns="" xmlns:a14="http://schemas.microsoft.com/office/drawing/2010/main" w="9525">
+                <a14:hiddenLine xmlns:a14="http://schemas.microsoft.com/office/drawing/2010/main" xmlns="" w="9525">
                   <a:solidFill>
                     <a:srgbClr val="000000"/>
                   </a:solidFill>
@@ -4757,7 +4757,7 @@
             </a:ln>
             <a:extLst>
               <a:ext uri="{91240B29-F687-4f45-9708-019B960494DF}">
-                <a14:hiddenLine xmlns="" xmlns:a14="http://schemas.microsoft.com/office/drawing/2010/main" w="9525">
+                <a14:hiddenLine xmlns:a14="http://schemas.microsoft.com/office/drawing/2010/main" xmlns="" w="9525">
                   <a:solidFill>
                     <a:srgbClr val="000000"/>
                   </a:solidFill>
@@ -4791,7 +4791,7 @@
             </a:ln>
             <a:extLst>
               <a:ext uri="{91240B29-F687-4f45-9708-019B960494DF}">
-                <a14:hiddenLine xmlns="" xmlns:a14="http://schemas.microsoft.com/office/drawing/2010/main" w="9525">
+                <a14:hiddenLine xmlns:a14="http://schemas.microsoft.com/office/drawing/2010/main" xmlns="" w="9525">
                   <a:solidFill>
                     <a:srgbClr val="000000"/>
                   </a:solidFill>
@@ -4881,7 +4881,7 @@
             </a:ln>
             <a:extLst>
               <a:ext uri="{91240B29-F687-4f45-9708-019B960494DF}">
-                <a14:hiddenLine xmlns="" xmlns:a14="http://schemas.microsoft.com/office/drawing/2010/main" w="9525">
+                <a14:hiddenLine xmlns:a14="http://schemas.microsoft.com/office/drawing/2010/main" xmlns="" w="9525">
                   <a:solidFill>
                     <a:srgbClr val="000000"/>
                   </a:solidFill>
@@ -4943,7 +4943,7 @@
             </a:ln>
             <a:extLst>
               <a:ext uri="{91240B29-F687-4f45-9708-019B960494DF}">
-                <a14:hiddenLine xmlns="" xmlns:a14="http://schemas.microsoft.com/office/drawing/2010/main" w="9525">
+                <a14:hiddenLine xmlns:a14="http://schemas.microsoft.com/office/drawing/2010/main" xmlns="" w="9525">
                   <a:solidFill>
                     <a:srgbClr val="000000"/>
                   </a:solidFill>
@@ -5005,7 +5005,7 @@
             </a:ln>
             <a:extLst>
               <a:ext uri="{91240B29-F687-4f45-9708-019B960494DF}">
-                <a14:hiddenLine xmlns="" xmlns:a14="http://schemas.microsoft.com/office/drawing/2010/main" w="9525">
+                <a14:hiddenLine xmlns:a14="http://schemas.microsoft.com/office/drawing/2010/main" xmlns="" w="9525">
                   <a:solidFill>
                     <a:srgbClr val="000000"/>
                   </a:solidFill>
@@ -5095,7 +5095,7 @@
             </a:ln>
             <a:extLst>
               <a:ext uri="{91240B29-F687-4f45-9708-019B960494DF}">
-                <a14:hiddenLine xmlns="" xmlns:a14="http://schemas.microsoft.com/office/drawing/2010/main" w="9525">
+                <a14:hiddenLine xmlns:a14="http://schemas.microsoft.com/office/drawing/2010/main" xmlns="" w="9525">
                   <a:solidFill>
                     <a:srgbClr val="000000"/>
                   </a:solidFill>
@@ -5163,7 +5163,7 @@
             </a:ln>
             <a:extLst>
               <a:ext uri="{91240B29-F687-4f45-9708-019B960494DF}">
-                <a14:hiddenLine xmlns="" xmlns:a14="http://schemas.microsoft.com/office/drawing/2010/main" w="9525">
+                <a14:hiddenLine xmlns:a14="http://schemas.microsoft.com/office/drawing/2010/main" xmlns="" w="9525">
                   <a:solidFill>
                     <a:srgbClr val="000000"/>
                   </a:solidFill>
@@ -5225,7 +5225,7 @@
             </a:ln>
             <a:extLst>
               <a:ext uri="{91240B29-F687-4f45-9708-019B960494DF}">
-                <a14:hiddenLine xmlns="" xmlns:a14="http://schemas.microsoft.com/office/drawing/2010/main" w="9525">
+                <a14:hiddenLine xmlns:a14="http://schemas.microsoft.com/office/drawing/2010/main" xmlns="" w="9525">
                   <a:solidFill>
                     <a:srgbClr val="000000"/>
                   </a:solidFill>
@@ -5315,7 +5315,7 @@
             </a:ln>
             <a:extLst>
               <a:ext uri="{91240B29-F687-4f45-9708-019B960494DF}">
-                <a14:hiddenLine xmlns="" xmlns:a14="http://schemas.microsoft.com/office/drawing/2010/main" w="9525">
+                <a14:hiddenLine xmlns:a14="http://schemas.microsoft.com/office/drawing/2010/main" xmlns="" w="9525">
                   <a:solidFill>
                     <a:srgbClr val="000000"/>
                   </a:solidFill>
@@ -5377,7 +5377,7 @@
             </a:ln>
             <a:extLst>
               <a:ext uri="{91240B29-F687-4f45-9708-019B960494DF}">
-                <a14:hiddenLine xmlns="" xmlns:a14="http://schemas.microsoft.com/office/drawing/2010/main" w="9525">
+                <a14:hiddenLine xmlns:a14="http://schemas.microsoft.com/office/drawing/2010/main" xmlns="" w="9525">
                   <a:solidFill>
                     <a:srgbClr val="000000"/>
                   </a:solidFill>
@@ -5467,7 +5467,7 @@
             </a:ln>
             <a:extLst>
               <a:ext uri="{91240B29-F687-4f45-9708-019B960494DF}">
-                <a14:hiddenLine xmlns="" xmlns:a14="http://schemas.microsoft.com/office/drawing/2010/main" w="9525">
+                <a14:hiddenLine xmlns:a14="http://schemas.microsoft.com/office/drawing/2010/main" xmlns="" w="9525">
                   <a:solidFill>
                     <a:srgbClr val="000000"/>
                   </a:solidFill>
@@ -5529,7 +5529,7 @@
             </a:ln>
             <a:extLst>
               <a:ext uri="{91240B29-F687-4f45-9708-019B960494DF}">
-                <a14:hiddenLine xmlns="" xmlns:a14="http://schemas.microsoft.com/office/drawing/2010/main" w="9525">
+                <a14:hiddenLine xmlns:a14="http://schemas.microsoft.com/office/drawing/2010/main" xmlns="" w="9525">
                   <a:solidFill>
                     <a:srgbClr val="000000"/>
                   </a:solidFill>
@@ -5619,7 +5619,7 @@
             </a:ln>
             <a:extLst>
               <a:ext uri="{91240B29-F687-4f45-9708-019B960494DF}">
-                <a14:hiddenLine xmlns="" xmlns:a14="http://schemas.microsoft.com/office/drawing/2010/main" w="9525">
+                <a14:hiddenLine xmlns:a14="http://schemas.microsoft.com/office/drawing/2010/main" xmlns="" w="9525">
                   <a:solidFill>
                     <a:srgbClr val="000000"/>
                   </a:solidFill>
@@ -5653,7 +5653,7 @@
             </a:ln>
             <a:extLst>
               <a:ext uri="{91240B29-F687-4f45-9708-019B960494DF}">
-                <a14:hiddenLine xmlns="" xmlns:a14="http://schemas.microsoft.com/office/drawing/2010/main" w="9525">
+                <a14:hiddenLine xmlns:a14="http://schemas.microsoft.com/office/drawing/2010/main" xmlns="" w="9525">
                   <a:solidFill>
                     <a:srgbClr val="000000"/>
                   </a:solidFill>
@@ -5718,7 +5718,7 @@
             </a:ln>
             <a:extLst>
               <a:ext uri="{91240B29-F687-4f45-9708-019B960494DF}">
-                <a14:hiddenLine xmlns="" xmlns:a14="http://schemas.microsoft.com/office/drawing/2010/main" w="9525">
+                <a14:hiddenLine xmlns:a14="http://schemas.microsoft.com/office/drawing/2010/main" xmlns="" w="9525">
                   <a:solidFill>
                     <a:srgbClr val="000000"/>
                   </a:solidFill>
@@ -5808,7 +5808,7 @@
             </a:ln>
             <a:extLst>
               <a:ext uri="{91240B29-F687-4f45-9708-019B960494DF}">
-                <a14:hiddenLine xmlns="" xmlns:a14="http://schemas.microsoft.com/office/drawing/2010/main" w="9525">
+                <a14:hiddenLine xmlns:a14="http://schemas.microsoft.com/office/drawing/2010/main" xmlns="" w="9525">
                   <a:solidFill>
                     <a:srgbClr val="000000"/>
                   </a:solidFill>
@@ -5870,7 +5870,7 @@
             </a:ln>
             <a:extLst>
               <a:ext uri="{91240B29-F687-4f45-9708-019B960494DF}">
-                <a14:hiddenLine xmlns="" xmlns:a14="http://schemas.microsoft.com/office/drawing/2010/main" w="9525">
+                <a14:hiddenLine xmlns:a14="http://schemas.microsoft.com/office/drawing/2010/main" xmlns="" w="9525">
                   <a:solidFill>
                     <a:srgbClr val="000000"/>
                   </a:solidFill>
@@ -5960,7 +5960,7 @@
             </a:ln>
             <a:extLst>
               <a:ext uri="{91240B29-F687-4f45-9708-019B960494DF}">
-                <a14:hiddenLine xmlns="" xmlns:a14="http://schemas.microsoft.com/office/drawing/2010/main" w="9525">
+                <a14:hiddenLine xmlns:a14="http://schemas.microsoft.com/office/drawing/2010/main" xmlns="" w="9525">
                   <a:solidFill>
                     <a:srgbClr val="000000"/>
                   </a:solidFill>
@@ -6050,7 +6050,7 @@
             </a:ln>
             <a:extLst>
               <a:ext uri="{91240B29-F687-4f45-9708-019B960494DF}">
-                <a14:hiddenLine xmlns="" xmlns:a14="http://schemas.microsoft.com/office/drawing/2010/main" w="9525">
+                <a14:hiddenLine xmlns:a14="http://schemas.microsoft.com/office/drawing/2010/main" xmlns="" w="9525">
                   <a:solidFill>
                     <a:srgbClr val="000000"/>
                   </a:solidFill>
@@ -6115,7 +6115,7 @@
             </a:ln>
             <a:extLst>
               <a:ext uri="{91240B29-F687-4f45-9708-019B960494DF}">
-                <a14:hiddenLine xmlns="" xmlns:a14="http://schemas.microsoft.com/office/drawing/2010/main" w="9525">
+                <a14:hiddenLine xmlns:a14="http://schemas.microsoft.com/office/drawing/2010/main" xmlns="" w="9525">
                   <a:solidFill>
                     <a:srgbClr val="000000"/>
                   </a:solidFill>
@@ -6177,7 +6177,7 @@
             </a:ln>
             <a:extLst>
               <a:ext uri="{91240B29-F687-4f45-9708-019B960494DF}">
-                <a14:hiddenLine xmlns="" xmlns:a14="http://schemas.microsoft.com/office/drawing/2010/main" w="9525">
+                <a14:hiddenLine xmlns:a14="http://schemas.microsoft.com/office/drawing/2010/main" xmlns="" w="9525">
                   <a:solidFill>
                     <a:srgbClr val="000000"/>
                   </a:solidFill>
@@ -6267,7 +6267,7 @@
             </a:ln>
             <a:extLst>
               <a:ext uri="{91240B29-F687-4f45-9708-019B960494DF}">
-                <a14:hiddenLine xmlns="" xmlns:a14="http://schemas.microsoft.com/office/drawing/2010/main" w="9525">
+                <a14:hiddenLine xmlns:a14="http://schemas.microsoft.com/office/drawing/2010/main" xmlns="" w="9525">
                   <a:solidFill>
                     <a:srgbClr val="000000"/>
                   </a:solidFill>
@@ -6357,7 +6357,7 @@
             </a:ln>
             <a:extLst>
               <a:ext uri="{91240B29-F687-4f45-9708-019B960494DF}">
-                <a14:hiddenLine xmlns="" xmlns:a14="http://schemas.microsoft.com/office/drawing/2010/main" w="9525">
+                <a14:hiddenLine xmlns:a14="http://schemas.microsoft.com/office/drawing/2010/main" xmlns="" w="9525">
                   <a:solidFill>
                     <a:srgbClr val="000000"/>
                   </a:solidFill>
@@ -6419,7 +6419,7 @@
             </a:ln>
             <a:extLst>
               <a:ext uri="{91240B29-F687-4f45-9708-019B960494DF}">
-                <a14:hiddenLine xmlns="" xmlns:a14="http://schemas.microsoft.com/office/drawing/2010/main" w="9525">
+                <a14:hiddenLine xmlns:a14="http://schemas.microsoft.com/office/drawing/2010/main" xmlns="" w="9525">
                   <a:solidFill>
                     <a:srgbClr val="000000"/>
                   </a:solidFill>
@@ -6539,7 +6539,7 @@
             </a:ln>
             <a:extLst>
               <a:ext uri="{91240B29-F687-4f45-9708-019B960494DF}">
-                <a14:hiddenLine xmlns="" xmlns:a14="http://schemas.microsoft.com/office/drawing/2010/main" w="9525">
+                <a14:hiddenLine xmlns:a14="http://schemas.microsoft.com/office/drawing/2010/main" xmlns="" w="9525">
                   <a:solidFill>
                     <a:srgbClr val="000000"/>
                   </a:solidFill>
@@ -6607,7 +6607,7 @@
             </a:ln>
             <a:extLst>
               <a:ext uri="{91240B29-F687-4f45-9708-019B960494DF}">
-                <a14:hiddenLine xmlns="" xmlns:a14="http://schemas.microsoft.com/office/drawing/2010/main" w="9525">
+                <a14:hiddenLine xmlns:a14="http://schemas.microsoft.com/office/drawing/2010/main" xmlns="" w="9525">
                   <a:solidFill>
                     <a:srgbClr val="000000"/>
                   </a:solidFill>
@@ -6697,7 +6697,7 @@
             </a:ln>
             <a:extLst>
               <a:ext uri="{91240B29-F687-4f45-9708-019B960494DF}">
-                <a14:hiddenLine xmlns="" xmlns:a14="http://schemas.microsoft.com/office/drawing/2010/main" w="9525">
+                <a14:hiddenLine xmlns:a14="http://schemas.microsoft.com/office/drawing/2010/main" xmlns="" w="9525">
                   <a:solidFill>
                     <a:srgbClr val="000000"/>
                   </a:solidFill>
@@ -6837,7 +6837,7 @@
           <a:p>
             <a:fld id="{99CA241C-74EB-4EA5-BF9F-19FE0857909F}" type="datetimeFigureOut">
               <a:rPr lang="en-US" smtClean="0"/>
-              <a:t>11/4/2017</a:t>
+              <a:t>11/5/2017</a:t>
             </a:fld>
             <a:endParaRPr lang="en-US"/>
           </a:p>
@@ -7104,7 +7104,7 @@
           <a:p>
             <a:fld id="{99CA241C-74EB-4EA5-BF9F-19FE0857909F}" type="datetimeFigureOut">
               <a:rPr lang="en-US" smtClean="0"/>
-              <a:t>11/4/2017</a:t>
+              <a:t>11/5/2017</a:t>
             </a:fld>
             <a:endParaRPr lang="en-US"/>
           </a:p>
@@ -7300,7 +7300,7 @@
           <a:p>
             <a:fld id="{99CA241C-74EB-4EA5-BF9F-19FE0857909F}" type="datetimeFigureOut">
               <a:rPr lang="en-US" smtClean="0"/>
-              <a:t>11/4/2017</a:t>
+              <a:t>11/5/2017</a:t>
             </a:fld>
             <a:endParaRPr lang="en-US"/>
           </a:p>
@@ -7563,7 +7563,7 @@
           <a:p>
             <a:fld id="{99CA241C-74EB-4EA5-BF9F-19FE0857909F}" type="datetimeFigureOut">
               <a:rPr lang="en-US" smtClean="0"/>
-              <a:t>11/4/2017</a:t>
+              <a:t>11/5/2017</a:t>
             </a:fld>
             <a:endParaRPr lang="en-US"/>
           </a:p>
@@ -7997,7 +7997,7 @@
           <a:p>
             <a:fld id="{99CA241C-74EB-4EA5-BF9F-19FE0857909F}" type="datetimeFigureOut">
               <a:rPr lang="en-US" smtClean="0"/>
-              <a:t>11/4/2017</a:t>
+              <a:t>11/5/2017</a:t>
             </a:fld>
             <a:endParaRPr lang="en-US"/>
           </a:p>
@@ -8543,7 +8543,7 @@
           <a:p>
             <a:fld id="{99CA241C-74EB-4EA5-BF9F-19FE0857909F}" type="datetimeFigureOut">
               <a:rPr lang="en-US" smtClean="0"/>
-              <a:t>11/4/2017</a:t>
+              <a:t>11/5/2017</a:t>
             </a:fld>
             <a:endParaRPr lang="en-US"/>
           </a:p>
@@ -9263,7 +9263,7 @@
           <a:p>
             <a:fld id="{99CA241C-74EB-4EA5-BF9F-19FE0857909F}" type="datetimeFigureOut">
               <a:rPr lang="en-US" smtClean="0"/>
-              <a:t>11/4/2017</a:t>
+              <a:t>11/5/2017</a:t>
             </a:fld>
             <a:endParaRPr lang="en-US"/>
           </a:p>
@@ -9433,7 +9433,7 @@
           <a:p>
             <a:fld id="{99CA241C-74EB-4EA5-BF9F-19FE0857909F}" type="datetimeFigureOut">
               <a:rPr lang="en-US" smtClean="0"/>
-              <a:t>11/4/2017</a:t>
+              <a:t>11/5/2017</a:t>
             </a:fld>
             <a:endParaRPr lang="en-US"/>
           </a:p>
@@ -9613,7 +9613,7 @@
           <a:p>
             <a:fld id="{99CA241C-74EB-4EA5-BF9F-19FE0857909F}" type="datetimeFigureOut">
               <a:rPr lang="en-US" smtClean="0"/>
-              <a:t>11/4/2017</a:t>
+              <a:t>11/5/2017</a:t>
             </a:fld>
             <a:endParaRPr lang="en-US"/>
           </a:p>
@@ -9783,7 +9783,7 @@
           <a:p>
             <a:fld id="{99CA241C-74EB-4EA5-BF9F-19FE0857909F}" type="datetimeFigureOut">
               <a:rPr lang="en-US" smtClean="0"/>
-              <a:t>11/4/2017</a:t>
+              <a:t>11/5/2017</a:t>
             </a:fld>
             <a:endParaRPr lang="en-US"/>
           </a:p>
@@ -10033,7 +10033,7 @@
           <a:p>
             <a:fld id="{99CA241C-74EB-4EA5-BF9F-19FE0857909F}" type="datetimeFigureOut">
               <a:rPr lang="en-US" smtClean="0"/>
-              <a:t>11/4/2017</a:t>
+              <a:t>11/5/2017</a:t>
             </a:fld>
             <a:endParaRPr lang="en-US"/>
           </a:p>
@@ -10265,7 +10265,7 @@
           <a:p>
             <a:fld id="{99CA241C-74EB-4EA5-BF9F-19FE0857909F}" type="datetimeFigureOut">
               <a:rPr lang="en-US" smtClean="0"/>
-              <a:t>11/4/2017</a:t>
+              <a:t>11/5/2017</a:t>
             </a:fld>
             <a:endParaRPr lang="en-US"/>
           </a:p>
@@ -10646,7 +10646,7 @@
           <a:p>
             <a:fld id="{99CA241C-74EB-4EA5-BF9F-19FE0857909F}" type="datetimeFigureOut">
               <a:rPr lang="en-US" smtClean="0"/>
-              <a:t>11/4/2017</a:t>
+              <a:t>11/5/2017</a:t>
             </a:fld>
             <a:endParaRPr lang="en-US"/>
           </a:p>
@@ -10764,7 +10764,7 @@
           <a:p>
             <a:fld id="{99CA241C-74EB-4EA5-BF9F-19FE0857909F}" type="datetimeFigureOut">
               <a:rPr lang="en-US" smtClean="0"/>
-              <a:t>11/4/2017</a:t>
+              <a:t>11/5/2017</a:t>
             </a:fld>
             <a:endParaRPr lang="en-US"/>
           </a:p>
@@ -10859,7 +10859,7 @@
           <a:p>
             <a:fld id="{99CA241C-74EB-4EA5-BF9F-19FE0857909F}" type="datetimeFigureOut">
               <a:rPr lang="en-US" smtClean="0"/>
-              <a:t>11/4/2017</a:t>
+              <a:t>11/5/2017</a:t>
             </a:fld>
             <a:endParaRPr lang="en-US"/>
           </a:p>
@@ -11108,7 +11108,7 @@
           <a:p>
             <a:fld id="{99CA241C-74EB-4EA5-BF9F-19FE0857909F}" type="datetimeFigureOut">
               <a:rPr lang="en-US" smtClean="0"/>
-              <a:t>11/4/2017</a:t>
+              <a:t>11/5/2017</a:t>
             </a:fld>
             <a:endParaRPr lang="en-US"/>
           </a:p>
@@ -11388,7 +11388,7 @@
           <a:p>
             <a:fld id="{99CA241C-74EB-4EA5-BF9F-19FE0857909F}" type="datetimeFigureOut">
               <a:rPr lang="en-US" smtClean="0"/>
-              <a:t>11/4/2017</a:t>
+              <a:t>11/5/2017</a:t>
             </a:fld>
             <a:endParaRPr lang="en-US"/>
           </a:p>
@@ -11511,7 +11511,7 @@
           <a:noFill/>
           <a:extLst>
             <a:ext uri="{909E8E84-426E-40dd-AFC4-6F175D3DCCD1}">
-              <a14:hiddenFill xmlns="" xmlns:a14="http://schemas.microsoft.com/office/drawing/2010/main">
+              <a14:hiddenFill xmlns:a14="http://schemas.microsoft.com/office/drawing/2010/main" xmlns="">
                 <a:solidFill>
                   <a:srgbClr val="FFFFFF"/>
                 </a:solidFill>
@@ -11585,7 +11585,7 @@
               </a:ln>
               <a:extLst>
                 <a:ext uri="{91240B29-F687-4f45-9708-019B960494DF}">
-                  <a14:hiddenLine xmlns="" xmlns:a14="http://schemas.microsoft.com/office/drawing/2010/main" w="9525">
+                  <a14:hiddenLine xmlns:a14="http://schemas.microsoft.com/office/drawing/2010/main" xmlns="" w="9525">
                     <a:solidFill>
                       <a:srgbClr val="000000"/>
                     </a:solidFill>
@@ -11675,7 +11675,7 @@
               </a:ln>
               <a:extLst>
                 <a:ext uri="{91240B29-F687-4f45-9708-019B960494DF}">
-                  <a14:hiddenLine xmlns="" xmlns:a14="http://schemas.microsoft.com/office/drawing/2010/main" w="9525">
+                  <a14:hiddenLine xmlns:a14="http://schemas.microsoft.com/office/drawing/2010/main" xmlns="" w="9525">
                     <a:solidFill>
                       <a:srgbClr val="000000"/>
                     </a:solidFill>
@@ -11765,7 +11765,7 @@
               </a:ln>
               <a:extLst>
                 <a:ext uri="{91240B29-F687-4f45-9708-019B960494DF}">
-                  <a14:hiddenLine xmlns="" xmlns:a14="http://schemas.microsoft.com/office/drawing/2010/main" w="9525">
+                  <a14:hiddenLine xmlns:a14="http://schemas.microsoft.com/office/drawing/2010/main" xmlns="" w="9525">
                     <a:solidFill>
                       <a:srgbClr val="000000"/>
                     </a:solidFill>
@@ -11827,7 +11827,7 @@
               </a:ln>
               <a:extLst>
                 <a:ext uri="{91240B29-F687-4f45-9708-019B960494DF}">
-                  <a14:hiddenLine xmlns="" xmlns:a14="http://schemas.microsoft.com/office/drawing/2010/main" w="9525">
+                  <a14:hiddenLine xmlns:a14="http://schemas.microsoft.com/office/drawing/2010/main" xmlns="" w="9525">
                     <a:solidFill>
                       <a:srgbClr val="000000"/>
                     </a:solidFill>
@@ -11917,7 +11917,7 @@
               </a:ln>
               <a:extLst>
                 <a:ext uri="{91240B29-F687-4f45-9708-019B960494DF}">
-                  <a14:hiddenLine xmlns="" xmlns:a14="http://schemas.microsoft.com/office/drawing/2010/main" w="9525">
+                  <a14:hiddenLine xmlns:a14="http://schemas.microsoft.com/office/drawing/2010/main" xmlns="" w="9525">
                     <a:solidFill>
                       <a:srgbClr val="000000"/>
                     </a:solidFill>
@@ -11979,7 +11979,7 @@
               </a:ln>
               <a:extLst>
                 <a:ext uri="{91240B29-F687-4f45-9708-019B960494DF}">
-                  <a14:hiddenLine xmlns="" xmlns:a14="http://schemas.microsoft.com/office/drawing/2010/main" w="9525">
+                  <a14:hiddenLine xmlns:a14="http://schemas.microsoft.com/office/drawing/2010/main" xmlns="" w="9525">
                     <a:solidFill>
                       <a:srgbClr val="000000"/>
                     </a:solidFill>
@@ -12041,7 +12041,7 @@
               </a:ln>
               <a:extLst>
                 <a:ext uri="{91240B29-F687-4f45-9708-019B960494DF}">
-                  <a14:hiddenLine xmlns="" xmlns:a14="http://schemas.microsoft.com/office/drawing/2010/main" w="9525">
+                  <a14:hiddenLine xmlns:a14="http://schemas.microsoft.com/office/drawing/2010/main" xmlns="" w="9525">
                     <a:solidFill>
                       <a:srgbClr val="000000"/>
                     </a:solidFill>
@@ -12131,7 +12131,7 @@
               </a:ln>
               <a:extLst>
                 <a:ext uri="{91240B29-F687-4f45-9708-019B960494DF}">
-                  <a14:hiddenLine xmlns="" xmlns:a14="http://schemas.microsoft.com/office/drawing/2010/main" w="9525">
+                  <a14:hiddenLine xmlns:a14="http://schemas.microsoft.com/office/drawing/2010/main" xmlns="" w="9525">
                     <a:solidFill>
                       <a:srgbClr val="000000"/>
                     </a:solidFill>
@@ -12221,7 +12221,7 @@
               </a:ln>
               <a:extLst>
                 <a:ext uri="{91240B29-F687-4f45-9708-019B960494DF}">
-                  <a14:hiddenLine xmlns="" xmlns:a14="http://schemas.microsoft.com/office/drawing/2010/main" w="9525">
+                  <a14:hiddenLine xmlns:a14="http://schemas.microsoft.com/office/drawing/2010/main" xmlns="" w="9525">
                     <a:solidFill>
                       <a:srgbClr val="000000"/>
                     </a:solidFill>
@@ -12283,7 +12283,7 @@
               </a:ln>
               <a:extLst>
                 <a:ext uri="{91240B29-F687-4f45-9708-019B960494DF}">
-                  <a14:hiddenLine xmlns="" xmlns:a14="http://schemas.microsoft.com/office/drawing/2010/main" w="9525">
+                  <a14:hiddenLine xmlns:a14="http://schemas.microsoft.com/office/drawing/2010/main" xmlns="" w="9525">
                     <a:solidFill>
                       <a:srgbClr val="000000"/>
                     </a:solidFill>
@@ -12393,7 +12393,7 @@
               </a:ln>
               <a:extLst>
                 <a:ext uri="{91240B29-F687-4f45-9708-019B960494DF}">
-                  <a14:hiddenLine xmlns="" xmlns:a14="http://schemas.microsoft.com/office/drawing/2010/main" w="9525">
+                  <a14:hiddenLine xmlns:a14="http://schemas.microsoft.com/office/drawing/2010/main" xmlns="" w="9525">
                     <a:solidFill>
                       <a:srgbClr val="000000"/>
                     </a:solidFill>
@@ -12477,7 +12477,7 @@
               </a:ln>
               <a:extLst>
                 <a:ext uri="{91240B29-F687-4f45-9708-019B960494DF}">
-                  <a14:hiddenLine xmlns="" xmlns:a14="http://schemas.microsoft.com/office/drawing/2010/main" w="9525">
+                  <a14:hiddenLine xmlns:a14="http://schemas.microsoft.com/office/drawing/2010/main" xmlns="" w="9525">
                     <a:solidFill>
                       <a:srgbClr val="000000"/>
                     </a:solidFill>
@@ -12539,7 +12539,7 @@
               </a:ln>
               <a:extLst>
                 <a:ext uri="{91240B29-F687-4f45-9708-019B960494DF}">
-                  <a14:hiddenLine xmlns="" xmlns:a14="http://schemas.microsoft.com/office/drawing/2010/main" w="9525">
+                  <a14:hiddenLine xmlns:a14="http://schemas.microsoft.com/office/drawing/2010/main" xmlns="" w="9525">
                     <a:solidFill>
                       <a:srgbClr val="000000"/>
                     </a:solidFill>
@@ -12601,7 +12601,7 @@
               </a:ln>
               <a:extLst>
                 <a:ext uri="{91240B29-F687-4f45-9708-019B960494DF}">
-                  <a14:hiddenLine xmlns="" xmlns:a14="http://schemas.microsoft.com/office/drawing/2010/main" w="9525">
+                  <a14:hiddenLine xmlns:a14="http://schemas.microsoft.com/office/drawing/2010/main" xmlns="" w="9525">
                     <a:solidFill>
                       <a:srgbClr val="000000"/>
                     </a:solidFill>
@@ -12691,7 +12691,7 @@
               </a:ln>
               <a:extLst>
                 <a:ext uri="{91240B29-F687-4f45-9708-019B960494DF}">
-                  <a14:hiddenLine xmlns="" xmlns:a14="http://schemas.microsoft.com/office/drawing/2010/main" w="9525">
+                  <a14:hiddenLine xmlns:a14="http://schemas.microsoft.com/office/drawing/2010/main" xmlns="" w="9525">
                     <a:solidFill>
                       <a:srgbClr val="000000"/>
                     </a:solidFill>
@@ -12725,7 +12725,7 @@
               </a:ln>
               <a:extLst>
                 <a:ext uri="{91240B29-F687-4f45-9708-019B960494DF}">
-                  <a14:hiddenLine xmlns="" xmlns:a14="http://schemas.microsoft.com/office/drawing/2010/main" w="9525">
+                  <a14:hiddenLine xmlns:a14="http://schemas.microsoft.com/office/drawing/2010/main" xmlns="" w="9525">
                     <a:solidFill>
                       <a:srgbClr val="000000"/>
                     </a:solidFill>
@@ -12790,7 +12790,7 @@
               </a:ln>
               <a:extLst>
                 <a:ext uri="{91240B29-F687-4f45-9708-019B960494DF}">
-                  <a14:hiddenLine xmlns="" xmlns:a14="http://schemas.microsoft.com/office/drawing/2010/main" w="9525">
+                  <a14:hiddenLine xmlns:a14="http://schemas.microsoft.com/office/drawing/2010/main" xmlns="" w="9525">
                     <a:solidFill>
                       <a:srgbClr val="000000"/>
                     </a:solidFill>
@@ -12880,7 +12880,7 @@
               </a:ln>
               <a:extLst>
                 <a:ext uri="{91240B29-F687-4f45-9708-019B960494DF}">
-                  <a14:hiddenLine xmlns="" xmlns:a14="http://schemas.microsoft.com/office/drawing/2010/main" w="9525">
+                  <a14:hiddenLine xmlns:a14="http://schemas.microsoft.com/office/drawing/2010/main" xmlns="" w="9525">
                     <a:solidFill>
                       <a:srgbClr val="000000"/>
                     </a:solidFill>
@@ -12942,7 +12942,7 @@
               </a:ln>
               <a:extLst>
                 <a:ext uri="{91240B29-F687-4f45-9708-019B960494DF}">
-                  <a14:hiddenLine xmlns="" xmlns:a14="http://schemas.microsoft.com/office/drawing/2010/main" w="9525">
+                  <a14:hiddenLine xmlns:a14="http://schemas.microsoft.com/office/drawing/2010/main" xmlns="" w="9525">
                     <a:solidFill>
                       <a:srgbClr val="000000"/>
                     </a:solidFill>
@@ -13032,7 +13032,7 @@
               </a:ln>
               <a:extLst>
                 <a:ext uri="{91240B29-F687-4f45-9708-019B960494DF}">
-                  <a14:hiddenLine xmlns="" xmlns:a14="http://schemas.microsoft.com/office/drawing/2010/main" w="9525">
+                  <a14:hiddenLine xmlns:a14="http://schemas.microsoft.com/office/drawing/2010/main" xmlns="" w="9525">
                     <a:solidFill>
                       <a:srgbClr val="000000"/>
                     </a:solidFill>
@@ -13097,7 +13097,7 @@
               </a:ln>
               <a:extLst>
                 <a:ext uri="{91240B29-F687-4f45-9708-019B960494DF}">
-                  <a14:hiddenLine xmlns="" xmlns:a14="http://schemas.microsoft.com/office/drawing/2010/main" w="9525">
+                  <a14:hiddenLine xmlns:a14="http://schemas.microsoft.com/office/drawing/2010/main" xmlns="" w="9525">
                     <a:solidFill>
                       <a:srgbClr val="000000"/>
                     </a:solidFill>
@@ -13159,7 +13159,7 @@
               </a:ln>
               <a:extLst>
                 <a:ext uri="{91240B29-F687-4f45-9708-019B960494DF}">
-                  <a14:hiddenLine xmlns="" xmlns:a14="http://schemas.microsoft.com/office/drawing/2010/main" w="9525">
+                  <a14:hiddenLine xmlns:a14="http://schemas.microsoft.com/office/drawing/2010/main" xmlns="" w="9525">
                     <a:solidFill>
                       <a:srgbClr val="000000"/>
                     </a:solidFill>
@@ -13249,7 +13249,7 @@
               </a:ln>
               <a:extLst>
                 <a:ext uri="{91240B29-F687-4f45-9708-019B960494DF}">
-                  <a14:hiddenLine xmlns="" xmlns:a14="http://schemas.microsoft.com/office/drawing/2010/main" w="9525">
+                  <a14:hiddenLine xmlns:a14="http://schemas.microsoft.com/office/drawing/2010/main" xmlns="" w="9525">
                     <a:solidFill>
                       <a:srgbClr val="000000"/>
                     </a:solidFill>
@@ -13339,7 +13339,7 @@
               </a:ln>
               <a:extLst>
                 <a:ext uri="{91240B29-F687-4f45-9708-019B960494DF}">
-                  <a14:hiddenLine xmlns="" xmlns:a14="http://schemas.microsoft.com/office/drawing/2010/main" w="9525">
+                  <a14:hiddenLine xmlns:a14="http://schemas.microsoft.com/office/drawing/2010/main" xmlns="" w="9525">
                     <a:solidFill>
                       <a:srgbClr val="000000"/>
                     </a:solidFill>
@@ -13404,7 +13404,7 @@
               </a:ln>
               <a:extLst>
                 <a:ext uri="{91240B29-F687-4f45-9708-019B960494DF}">
-                  <a14:hiddenLine xmlns="" xmlns:a14="http://schemas.microsoft.com/office/drawing/2010/main" w="9525">
+                  <a14:hiddenLine xmlns:a14="http://schemas.microsoft.com/office/drawing/2010/main" xmlns="" w="9525">
                     <a:solidFill>
                       <a:srgbClr val="000000"/>
                     </a:solidFill>
@@ -13524,7 +13524,7 @@
               </a:ln>
               <a:extLst>
                 <a:ext uri="{91240B29-F687-4f45-9708-019B960494DF}">
-                  <a14:hiddenLine xmlns="" xmlns:a14="http://schemas.microsoft.com/office/drawing/2010/main" w="9525">
+                  <a14:hiddenLine xmlns:a14="http://schemas.microsoft.com/office/drawing/2010/main" xmlns="" w="9525">
                     <a:solidFill>
                       <a:srgbClr val="000000"/>
                     </a:solidFill>
@@ -13605,7 +13605,7 @@
               </a:ln>
               <a:extLst>
                 <a:ext uri="{91240B29-F687-4f45-9708-019B960494DF}">
-                  <a14:hiddenLine xmlns="" xmlns:a14="http://schemas.microsoft.com/office/drawing/2010/main" w="9525">
+                  <a14:hiddenLine xmlns:a14="http://schemas.microsoft.com/office/drawing/2010/main" xmlns="" w="9525">
                     <a:solidFill>
                       <a:srgbClr val="000000"/>
                     </a:solidFill>
@@ -13720,7 +13720,7 @@
               </a:ln>
               <a:extLst>
                 <a:ext uri="{91240B29-F687-4f45-9708-019B960494DF}">
-                  <a14:hiddenLine xmlns="" xmlns:a14="http://schemas.microsoft.com/office/drawing/2010/main" w="9525">
+                  <a14:hiddenLine xmlns:a14="http://schemas.microsoft.com/office/drawing/2010/main" xmlns="" w="9525">
                     <a:solidFill>
                       <a:srgbClr val="000000"/>
                     </a:solidFill>
@@ -13810,7 +13810,7 @@
               </a:ln>
               <a:extLst>
                 <a:ext uri="{91240B29-F687-4f45-9708-019B960494DF}">
-                  <a14:hiddenLine xmlns="" xmlns:a14="http://schemas.microsoft.com/office/drawing/2010/main" w="9525">
+                  <a14:hiddenLine xmlns:a14="http://schemas.microsoft.com/office/drawing/2010/main" xmlns="" w="9525">
                     <a:solidFill>
                       <a:srgbClr val="000000"/>
                     </a:solidFill>
@@ -13875,7 +13875,7 @@
               </a:ln>
               <a:extLst>
                 <a:ext uri="{91240B29-F687-4f45-9708-019B960494DF}">
-                  <a14:hiddenLine xmlns="" xmlns:a14="http://schemas.microsoft.com/office/drawing/2010/main" w="9525">
+                  <a14:hiddenLine xmlns:a14="http://schemas.microsoft.com/office/drawing/2010/main" xmlns="" w="9525">
                     <a:solidFill>
                       <a:srgbClr val="000000"/>
                     </a:solidFill>
@@ -13965,7 +13965,7 @@
               </a:ln>
               <a:extLst>
                 <a:ext uri="{91240B29-F687-4f45-9708-019B960494DF}">
-                  <a14:hiddenLine xmlns="" xmlns:a14="http://schemas.microsoft.com/office/drawing/2010/main" w="9525">
+                  <a14:hiddenLine xmlns:a14="http://schemas.microsoft.com/office/drawing/2010/main" xmlns="" w="9525">
                     <a:solidFill>
                       <a:srgbClr val="000000"/>
                     </a:solidFill>
@@ -14033,7 +14033,7 @@
               </a:ln>
               <a:extLst>
                 <a:ext uri="{91240B29-F687-4f45-9708-019B960494DF}">
-                  <a14:hiddenLine xmlns="" xmlns:a14="http://schemas.microsoft.com/office/drawing/2010/main" w="9525">
+                  <a14:hiddenLine xmlns:a14="http://schemas.microsoft.com/office/drawing/2010/main" xmlns="" w="9525">
                     <a:solidFill>
                       <a:srgbClr val="000000"/>
                     </a:solidFill>
@@ -14123,7 +14123,7 @@
               </a:ln>
               <a:extLst>
                 <a:ext uri="{91240B29-F687-4f45-9708-019B960494DF}">
-                  <a14:hiddenLine xmlns="" xmlns:a14="http://schemas.microsoft.com/office/drawing/2010/main" w="9525">
+                  <a14:hiddenLine xmlns:a14="http://schemas.microsoft.com/office/drawing/2010/main" xmlns="" w="9525">
                     <a:solidFill>
                       <a:srgbClr val="000000"/>
                     </a:solidFill>
@@ -14191,7 +14191,7 @@
               </a:ln>
               <a:extLst>
                 <a:ext uri="{91240B29-F687-4f45-9708-019B960494DF}">
-                  <a14:hiddenLine xmlns="" xmlns:a14="http://schemas.microsoft.com/office/drawing/2010/main" w="9525">
+                  <a14:hiddenLine xmlns:a14="http://schemas.microsoft.com/office/drawing/2010/main" xmlns="" w="9525">
                     <a:solidFill>
                       <a:srgbClr val="000000"/>
                     </a:solidFill>
@@ -14281,7 +14281,7 @@
               </a:ln>
               <a:extLst>
                 <a:ext uri="{91240B29-F687-4f45-9708-019B960494DF}">
-                  <a14:hiddenLine xmlns="" xmlns:a14="http://schemas.microsoft.com/office/drawing/2010/main" w="9525">
+                  <a14:hiddenLine xmlns:a14="http://schemas.microsoft.com/office/drawing/2010/main" xmlns="" w="9525">
                     <a:solidFill>
                       <a:srgbClr val="000000"/>
                     </a:solidFill>
@@ -14315,7 +14315,7 @@
               </a:ln>
               <a:extLst>
                 <a:ext uri="{91240B29-F687-4f45-9708-019B960494DF}">
-                  <a14:hiddenLine xmlns="" xmlns:a14="http://schemas.microsoft.com/office/drawing/2010/main" w="9525">
+                  <a14:hiddenLine xmlns:a14="http://schemas.microsoft.com/office/drawing/2010/main" xmlns="" w="9525">
                     <a:solidFill>
                       <a:srgbClr val="000000"/>
                     </a:solidFill>
@@ -14455,7 +14455,7 @@
           <a:p>
             <a:fld id="{99CA241C-74EB-4EA5-BF9F-19FE0857909F}" type="datetimeFigureOut">
               <a:rPr lang="en-US" smtClean="0"/>
-              <a:t>11/4/2017</a:t>
+              <a:t>11/5/2017</a:t>
             </a:fld>
             <a:endParaRPr lang="en-US"/>
           </a:p>
@@ -16991,7 +16991,7 @@
           <a:graphicData uri="http://schemas.openxmlformats.org/presentationml/2006/ole">
             <mc:AlternateContent xmlns:mc="http://schemas.openxmlformats.org/markup-compatibility/2006">
               <mc:Choice xmlns:v="urn:schemas-microsoft-com:vml" Requires="v">
-                <p:oleObj spid="_x0000_s1039" name="Packager Shell Object" showAsIcon="1" r:id="rId4" imgW="924840" imgH="488520" progId="Package">
+                <p:oleObj spid="_x0000_s1041" name="Packager Shell Object" showAsIcon="1" r:id="rId4" imgW="924840" imgH="488520" progId="Package">
                   <p:embed/>
                 </p:oleObj>
               </mc:Choice>
@@ -17204,13 +17204,13 @@
         </p:nvSpPr>
         <p:spPr>
           <a:xfrm>
-            <a:off x="336883" y="1422400"/>
-            <a:ext cx="11454063" cy="4978399"/>
+            <a:off x="593558" y="1422400"/>
+            <a:ext cx="11197388" cy="4978399"/>
           </a:xfrm>
         </p:spPr>
         <p:txBody>
           <a:bodyPr>
-            <a:normAutofit lnSpcReduction="10000"/>
+            <a:normAutofit fontScale="92500"/>
           </a:bodyPr>
           <a:lstStyle/>
           <a:p>
@@ -17225,14 +17225,14 @@
                 <a:latin typeface="Arial" panose="020B0604020202020204" pitchFamily="34" charset="0"/>
                 <a:cs typeface="Arial" panose="020B0604020202020204" pitchFamily="34" charset="0"/>
               </a:rPr>
-              <a:t>QUESTION 1 &lt;- </a:t>
+              <a:t>    QUESTION 1 &lt;- </a:t>
             </a:r>
             <a:r>
               <a:rPr lang="en-US" dirty="0">
                 <a:latin typeface="Arial" panose="020B0604020202020204" pitchFamily="34" charset="0"/>
                 <a:cs typeface="Arial" panose="020B0604020202020204" pitchFamily="34" charset="0"/>
               </a:rPr>
-              <a:t>Is there a correlation between the default rate based on cost of tuition?</a:t>
+              <a:t>Is there a correlation between the default rate based on cost                	of tuition?</a:t>
             </a:r>
           </a:p>
           <a:p>
@@ -17262,7 +17262,7 @@
                 <a:latin typeface="Arial" panose="020B0604020202020204" pitchFamily="34" charset="0"/>
                 <a:cs typeface="Arial" panose="020B0604020202020204" pitchFamily="34" charset="0"/>
               </a:rPr>
-              <a:t>QUESTION 2 &lt;- </a:t>
+              <a:t>    QUESTION 2 &lt;- </a:t>
             </a:r>
             <a:r>
               <a:rPr lang="en-US" dirty="0">
@@ -17311,14 +17311,14 @@
                 <a:latin typeface="Arial" panose="020B0604020202020204" pitchFamily="34" charset="0"/>
                 <a:cs typeface="Arial" panose="020B0604020202020204" pitchFamily="34" charset="0"/>
               </a:rPr>
-              <a:t>QUESTION 3 &lt;- </a:t>
+              <a:t>    QUESTION 3 &lt;- </a:t>
             </a:r>
             <a:r>
               <a:rPr lang="en-US" dirty="0">
                 <a:latin typeface="Arial" panose="020B0604020202020204" pitchFamily="34" charset="0"/>
                 <a:cs typeface="Arial" panose="020B0604020202020204" pitchFamily="34" charset="0"/>
               </a:rPr>
-              <a:t>Are there relationships between the geographic location of  institutions and the default rates?</a:t>
+              <a:t>Are there relationships between the geographic location of           	institutions and the default rates?</a:t>
             </a:r>
           </a:p>
           <a:p>
@@ -17570,7 +17570,19 @@
                 <a:latin typeface="Arial" panose="020B0604020202020204" pitchFamily="34" charset="0"/>
                 <a:cs typeface="Arial" panose="020B0604020202020204" pitchFamily="34" charset="0"/>
               </a:rPr>
-              <a:t>&lt;- Are there relationships between the geographic location of  institutions and the default rates?</a:t>
+              <a:t>&lt;- Are there relationships between the geographic location of  institutions </a:t>
+            </a:r>
+          </a:p>
+          <a:p>
+            <a:pPr marL="0" indent="0">
+              <a:buNone/>
+            </a:pPr>
+            <a:r>
+              <a:rPr lang="en-US" dirty="0">
+                <a:latin typeface="Arial" panose="020B0604020202020204" pitchFamily="34" charset="0"/>
+                <a:cs typeface="Arial" panose="020B0604020202020204" pitchFamily="34" charset="0"/>
+              </a:rPr>
+              <a:t>    and the default rates?</a:t>
             </a:r>
           </a:p>
           <a:p>
